--- a/3_Presentations/week 3/Week_3 Team Feedback Controller WEC 2025.pptx
+++ b/3_Presentations/week 3/Week_3 Team Feedback Controller WEC 2025.pptx
@@ -6,20 +6,22 @@
     <p:sldMasterId id="2147483680" r:id="rId2"/>
   </p:sldMasterIdLst>
   <p:notesMasterIdLst>
-    <p:notesMasterId r:id="rId14"/>
+    <p:notesMasterId r:id="rId16"/>
   </p:notesMasterIdLst>
   <p:sldIdLst>
     <p:sldId id="257" r:id="rId3"/>
     <p:sldId id="259" r:id="rId4"/>
     <p:sldId id="261" r:id="rId5"/>
     <p:sldId id="267" r:id="rId6"/>
-    <p:sldId id="269" r:id="rId7"/>
-    <p:sldId id="270" r:id="rId8"/>
-    <p:sldId id="273" r:id="rId9"/>
-    <p:sldId id="274" r:id="rId10"/>
-    <p:sldId id="275" r:id="rId11"/>
-    <p:sldId id="264" r:id="rId12"/>
-    <p:sldId id="266" r:id="rId13"/>
+    <p:sldId id="276" r:id="rId7"/>
+    <p:sldId id="277" r:id="rId8"/>
+    <p:sldId id="269" r:id="rId9"/>
+    <p:sldId id="270" r:id="rId10"/>
+    <p:sldId id="273" r:id="rId11"/>
+    <p:sldId id="274" r:id="rId12"/>
+    <p:sldId id="275" r:id="rId13"/>
+    <p:sldId id="264" r:id="rId14"/>
+    <p:sldId id="266" r:id="rId15"/>
   </p:sldIdLst>
   <p:sldSz cx="12192000" cy="6858000"/>
   <p:notesSz cx="6858000" cy="9144000"/>
@@ -208,7 +210,7 @@
           <a:p>
             <a:fld id="{8493C7D5-49C9-4310-99B0-74BF8F98F62E}" type="datetimeFigureOut">
               <a:rPr lang="en-US" smtClean="0"/>
-              <a:t>10/12/2025</a:t>
+              <a:t>10/13/2025</a:t>
             </a:fld>
             <a:endParaRPr lang="en-US"/>
           </a:p>
@@ -22383,7 +22385,7 @@
           <p:cNvPr id="2" name="Title 1">
             <a:extLst>
               <a:ext uri="{FF2B5EF4-FFF2-40B4-BE49-F238E27FC236}">
-                <a16:creationId xmlns:a16="http://schemas.microsoft.com/office/drawing/2014/main" id="{B264FF05-E4FA-0C0D-C7B9-03579DF81D4E}"/>
+                <a16:creationId xmlns:a16="http://schemas.microsoft.com/office/drawing/2014/main" id="{07A9484E-BB4B-8947-6011-95CB9893D613}"/>
               </a:ext>
             </a:extLst>
           </p:cNvPr>
@@ -22401,89 +22403,52 @@
           <a:p>
             <a:r>
               <a:rPr lang="en-US" noProof="0" dirty="0"/>
-              <a:t>Conclusion</a:t>
-            </a:r>
-          </a:p>
-        </p:txBody>
-      </p:sp>
-      <p:sp>
-        <p:nvSpPr>
-          <p:cNvPr id="3" name="Content Placeholder 2">
-            <a:extLst>
-              <a:ext uri="{FF2B5EF4-FFF2-40B4-BE49-F238E27FC236}">
-                <a16:creationId xmlns:a16="http://schemas.microsoft.com/office/drawing/2014/main" id="{715D35A5-984A-3432-0D9F-CBB831617267}"/>
-              </a:ext>
-            </a:extLst>
-          </p:cNvPr>
-          <p:cNvSpPr>
-            <a:spLocks noGrp="1"/>
-          </p:cNvSpPr>
+              <a:t>Result  2</a:t>
+            </a:r>
+          </a:p>
+        </p:txBody>
+      </p:sp>
+      <p:pic>
+        <p:nvPicPr>
+          <p:cNvPr id="10" name="Content Placeholder 9" descr="A graph of a graph&#10;&#10;AI-generated content may be incorrect.">
+            <a:extLst>
+              <a:ext uri="{FF2B5EF4-FFF2-40B4-BE49-F238E27FC236}">
+                <a16:creationId xmlns:a16="http://schemas.microsoft.com/office/drawing/2014/main" id="{2767DF0A-7889-CDA6-0A8D-53C190C3293F}"/>
+              </a:ext>
+            </a:extLst>
+          </p:cNvPr>
+          <p:cNvPicPr>
+            <a:picLocks noGrp="1" noChangeAspect="1"/>
+          </p:cNvPicPr>
           <p:nvPr>
             <p:ph idx="1"/>
           </p:nvPr>
-        </p:nvSpPr>
+        </p:nvPicPr>
+        <p:blipFill>
+          <a:blip r:embed="rId2">
+            <a:extLst>
+              <a:ext uri="{28A0092B-C50C-407E-A947-70E740481C1C}">
+                <a14:useLocalDpi xmlns:a14="http://schemas.microsoft.com/office/drawing/2010/main" val="0"/>
+              </a:ext>
+            </a:extLst>
+          </a:blip>
+          <a:stretch>
+            <a:fillRect/>
+          </a:stretch>
+        </p:blipFill>
         <p:spPr>
           <a:xfrm>
-            <a:off x="838200" y="1825625"/>
-            <a:ext cx="10515600" cy="3289300"/>
+            <a:off x="1721880" y="1690688"/>
+            <a:ext cx="8748239" cy="4351338"/>
           </a:xfrm>
         </p:spPr>
-        <p:txBody>
-          <a:bodyPr/>
-          <a:lstStyle/>
-          <a:p>
-            <a:r>
-              <a:rPr lang="en-US" noProof="0" dirty="0"/>
-              <a:t> Successfully generated wind fields. </a:t>
-            </a:r>
-          </a:p>
-          <a:p>
-            <a:endParaRPr lang="en-US" noProof="0" dirty="0"/>
-          </a:p>
-          <a:p>
-            <a:r>
-              <a:rPr lang="en-US" noProof="0" dirty="0"/>
-              <a:t>Run examples of DLC 1.2 simulation.</a:t>
-            </a:r>
-          </a:p>
-          <a:p>
-            <a:endParaRPr lang="en-US" noProof="0" dirty="0"/>
-          </a:p>
-          <a:p>
-            <a:r>
-              <a:rPr lang="en-US" b="1" noProof="0" dirty="0"/>
-              <a:t>Next week:</a:t>
-            </a:r>
-          </a:p>
-          <a:p>
-            <a:r>
-              <a:rPr lang="en-US" noProof="0" dirty="0"/>
-              <a:t>Run full DLC 1.2 simulations, with different seeds and wind speeds.</a:t>
-            </a:r>
-          </a:p>
-          <a:p>
-            <a:r>
-              <a:rPr lang="en-US" noProof="0" dirty="0"/>
-              <a:t>Understand and apply cost calculation for controllers.</a:t>
-            </a:r>
-          </a:p>
-          <a:p>
-            <a:endParaRPr lang="en-US" noProof="0" dirty="0"/>
-          </a:p>
-          <a:p>
-            <a:pPr marL="0" indent="0">
-              <a:buNone/>
-            </a:pPr>
-            <a:endParaRPr lang="en-US" noProof="0" dirty="0"/>
-          </a:p>
-        </p:txBody>
-      </p:sp>
+      </p:pic>
       <p:sp>
         <p:nvSpPr>
           <p:cNvPr id="4" name="Text Placeholder 3">
             <a:extLst>
               <a:ext uri="{FF2B5EF4-FFF2-40B4-BE49-F238E27FC236}">
-                <a16:creationId xmlns:a16="http://schemas.microsoft.com/office/drawing/2014/main" id="{FA257715-04AD-1733-D6EE-3ED2075EF0C5}"/>
+                <a16:creationId xmlns:a16="http://schemas.microsoft.com/office/drawing/2014/main" id="{3440D322-1695-0DBC-AD2C-AA1B5720A307}"/>
               </a:ext>
             </a:extLst>
           </p:cNvPr>
@@ -22508,10 +22473,10 @@
       </p:sp>
       <p:sp>
         <p:nvSpPr>
-          <p:cNvPr id="8" name="Date Placeholder 7">
-            <a:extLst>
-              <a:ext uri="{FF2B5EF4-FFF2-40B4-BE49-F238E27FC236}">
-                <a16:creationId xmlns:a16="http://schemas.microsoft.com/office/drawing/2014/main" id="{6E55E15D-A89A-0E88-0C10-DCC57A700420}"/>
+          <p:cNvPr id="5" name="Date Placeholder 4">
+            <a:extLst>
+              <a:ext uri="{FF2B5EF4-FFF2-40B4-BE49-F238E27FC236}">
+                <a16:creationId xmlns:a16="http://schemas.microsoft.com/office/drawing/2014/main" id="{0ED1A5DE-8750-9895-7B38-B7BFBBE30462}"/>
               </a:ext>
             </a:extLst>
           </p:cNvPr>
@@ -22536,10 +22501,38 @@
       </p:sp>
       <p:sp>
         <p:nvSpPr>
-          <p:cNvPr id="9" name="Slide Number Placeholder 8">
-            <a:extLst>
-              <a:ext uri="{FF2B5EF4-FFF2-40B4-BE49-F238E27FC236}">
-                <a16:creationId xmlns:a16="http://schemas.microsoft.com/office/drawing/2014/main" id="{6820AAE9-4FCB-81C8-9E6C-E44698F413FA}"/>
+          <p:cNvPr id="6" name="Footer Placeholder 5">
+            <a:extLst>
+              <a:ext uri="{FF2B5EF4-FFF2-40B4-BE49-F238E27FC236}">
+                <a16:creationId xmlns:a16="http://schemas.microsoft.com/office/drawing/2014/main" id="{D2EC167C-0D96-594C-1335-48752B164D92}"/>
+              </a:ext>
+            </a:extLst>
+          </p:cNvPr>
+          <p:cNvSpPr>
+            <a:spLocks noGrp="1"/>
+          </p:cNvSpPr>
+          <p:nvPr>
+            <p:ph type="ftr" sz="quarter" idx="20"/>
+          </p:nvPr>
+        </p:nvSpPr>
+        <p:spPr/>
+        <p:txBody>
+          <a:bodyPr/>
+          <a:lstStyle/>
+          <a:p>
+            <a:r>
+              <a:rPr lang="en-US" noProof="0" dirty="0"/>
+              <a:t>Feedback Controller / Optimus Syria</a:t>
+            </a:r>
+          </a:p>
+        </p:txBody>
+      </p:sp>
+      <p:sp>
+        <p:nvSpPr>
+          <p:cNvPr id="7" name="Slide Number Placeholder 6">
+            <a:extLst>
+              <a:ext uri="{FF2B5EF4-FFF2-40B4-BE49-F238E27FC236}">
+                <a16:creationId xmlns:a16="http://schemas.microsoft.com/office/drawing/2014/main" id="{62400FDA-913A-BDC5-14B9-D2788F61941B}"/>
               </a:ext>
             </a:extLst>
           </p:cNvPr>
@@ -22565,28 +22558,35 @@
       </p:sp>
       <p:sp>
         <p:nvSpPr>
-          <p:cNvPr id="10" name="Footer Placeholder 9">
-            <a:extLst>
-              <a:ext uri="{FF2B5EF4-FFF2-40B4-BE49-F238E27FC236}">
-                <a16:creationId xmlns:a16="http://schemas.microsoft.com/office/drawing/2014/main" id="{D4600388-DD13-10AE-D6E8-C3B2B3F89809}"/>
-              </a:ext>
-            </a:extLst>
-          </p:cNvPr>
-          <p:cNvSpPr>
-            <a:spLocks noGrp="1"/>
-          </p:cNvSpPr>
-          <p:nvPr>
-            <p:ph type="ftr" sz="quarter" idx="20"/>
-          </p:nvPr>
-        </p:nvSpPr>
-        <p:spPr/>
-        <p:txBody>
-          <a:bodyPr/>
+          <p:cNvPr id="11" name="TextBox 10">
+            <a:extLst>
+              <a:ext uri="{FF2B5EF4-FFF2-40B4-BE49-F238E27FC236}">
+                <a16:creationId xmlns:a16="http://schemas.microsoft.com/office/drawing/2014/main" id="{AA28CE0C-EDED-5606-3684-03812F41E31C}"/>
+              </a:ext>
+            </a:extLst>
+          </p:cNvPr>
+          <p:cNvSpPr txBox="1"/>
+          <p:nvPr/>
+        </p:nvSpPr>
+        <p:spPr>
+          <a:xfrm>
+            <a:off x="3024187" y="5977734"/>
+            <a:ext cx="6143624" cy="261610"/>
+          </a:xfrm>
+          <a:prstGeom prst="rect">
+            <a:avLst/>
+          </a:prstGeom>
+          <a:noFill/>
+        </p:spPr>
+        <p:txBody>
+          <a:bodyPr wrap="square">
+            <a:spAutoFit/>
+          </a:bodyPr>
           <a:lstStyle/>
           <a:p>
             <a:r>
-              <a:rPr lang="en-US" noProof="0" dirty="0"/>
-              <a:t>Feedback Controller / Optimus Syria</a:t>
+              <a:rPr lang="en-US" sz="1100" noProof="0" dirty="0"/>
+              <a:t>Simulation results for IEA 3.4 MW with feedback control. 10 m/s wind field for DLC 1.2</a:t>
             </a:r>
           </a:p>
         </p:txBody>
@@ -22594,7 +22594,7 @@
     </p:spTree>
     <p:extLst>
       <p:ext uri="{BB962C8B-B14F-4D97-AF65-F5344CB8AC3E}">
-        <p14:creationId xmlns:p14="http://schemas.microsoft.com/office/powerpoint/2010/main" val="2223650144"/>
+        <p14:creationId xmlns:p14="http://schemas.microsoft.com/office/powerpoint/2010/main" val="1824606005"/>
       </p:ext>
     </p:extLst>
   </p:cSld>
@@ -22623,6 +22623,490 @@
       </p:grpSpPr>
       <p:sp>
         <p:nvSpPr>
+          <p:cNvPr id="2" name="Title 1">
+            <a:extLst>
+              <a:ext uri="{FF2B5EF4-FFF2-40B4-BE49-F238E27FC236}">
+                <a16:creationId xmlns:a16="http://schemas.microsoft.com/office/drawing/2014/main" id="{28B71076-8861-9737-9512-F92DBB3D2225}"/>
+              </a:ext>
+            </a:extLst>
+          </p:cNvPr>
+          <p:cNvSpPr>
+            <a:spLocks noGrp="1"/>
+          </p:cNvSpPr>
+          <p:nvPr>
+            <p:ph type="title"/>
+          </p:nvPr>
+        </p:nvSpPr>
+        <p:spPr/>
+        <p:txBody>
+          <a:bodyPr/>
+          <a:lstStyle/>
+          <a:p>
+            <a:r>
+              <a:rPr lang="en-US" noProof="0" dirty="0"/>
+              <a:t>Result 3</a:t>
+            </a:r>
+          </a:p>
+        </p:txBody>
+      </p:sp>
+      <p:pic>
+        <p:nvPicPr>
+          <p:cNvPr id="10" name="Content Placeholder 9" descr="A graph of a wave&#10;&#10;AI-generated content may be incorrect.">
+            <a:extLst>
+              <a:ext uri="{FF2B5EF4-FFF2-40B4-BE49-F238E27FC236}">
+                <a16:creationId xmlns:a16="http://schemas.microsoft.com/office/drawing/2014/main" id="{132BFCE4-C950-DDD8-E989-B47414371D85}"/>
+              </a:ext>
+            </a:extLst>
+          </p:cNvPr>
+          <p:cNvPicPr>
+            <a:picLocks noGrp="1" noChangeAspect="1"/>
+          </p:cNvPicPr>
+          <p:nvPr>
+            <p:ph idx="1"/>
+          </p:nvPr>
+        </p:nvPicPr>
+        <p:blipFill>
+          <a:blip r:embed="rId2">
+            <a:extLst>
+              <a:ext uri="{28A0092B-C50C-407E-A947-70E740481C1C}">
+                <a14:useLocalDpi xmlns:a14="http://schemas.microsoft.com/office/drawing/2010/main" val="0"/>
+              </a:ext>
+            </a:extLst>
+          </a:blip>
+          <a:stretch>
+            <a:fillRect/>
+          </a:stretch>
+        </p:blipFill>
+        <p:spPr>
+          <a:xfrm>
+            <a:off x="1721880" y="1690688"/>
+            <a:ext cx="8748239" cy="4351338"/>
+          </a:xfrm>
+        </p:spPr>
+      </p:pic>
+      <p:sp>
+        <p:nvSpPr>
+          <p:cNvPr id="4" name="Text Placeholder 3">
+            <a:extLst>
+              <a:ext uri="{FF2B5EF4-FFF2-40B4-BE49-F238E27FC236}">
+                <a16:creationId xmlns:a16="http://schemas.microsoft.com/office/drawing/2014/main" id="{8C96F4EC-3271-76C1-202E-F5DC63092BCE}"/>
+              </a:ext>
+            </a:extLst>
+          </p:cNvPr>
+          <p:cNvSpPr>
+            <a:spLocks noGrp="1"/>
+          </p:cNvSpPr>
+          <p:nvPr>
+            <p:ph type="body" sz="quarter" idx="18"/>
+          </p:nvPr>
+        </p:nvSpPr>
+        <p:spPr/>
+        <p:txBody>
+          <a:bodyPr/>
+          <a:lstStyle/>
+          <a:p>
+            <a:r>
+              <a:rPr lang="en-US" noProof="0" dirty="0"/>
+              <a:t>Saurabh Jha - 770271</a:t>
+            </a:r>
+          </a:p>
+        </p:txBody>
+      </p:sp>
+      <p:sp>
+        <p:nvSpPr>
+          <p:cNvPr id="5" name="Date Placeholder 4">
+            <a:extLst>
+              <a:ext uri="{FF2B5EF4-FFF2-40B4-BE49-F238E27FC236}">
+                <a16:creationId xmlns:a16="http://schemas.microsoft.com/office/drawing/2014/main" id="{70D39E17-C8E7-DF12-53CE-99D96B4E351D}"/>
+              </a:ext>
+            </a:extLst>
+          </p:cNvPr>
+          <p:cNvSpPr>
+            <a:spLocks noGrp="1"/>
+          </p:cNvSpPr>
+          <p:nvPr>
+            <p:ph type="dt" sz="half" idx="19"/>
+          </p:nvPr>
+        </p:nvSpPr>
+        <p:spPr/>
+        <p:txBody>
+          <a:bodyPr/>
+          <a:lstStyle/>
+          <a:p>
+            <a:r>
+              <a:rPr lang="en-US" noProof="0" dirty="0"/>
+              <a:t>14/10/2025</a:t>
+            </a:r>
+          </a:p>
+        </p:txBody>
+      </p:sp>
+      <p:sp>
+        <p:nvSpPr>
+          <p:cNvPr id="6" name="Footer Placeholder 5">
+            <a:extLst>
+              <a:ext uri="{FF2B5EF4-FFF2-40B4-BE49-F238E27FC236}">
+                <a16:creationId xmlns:a16="http://schemas.microsoft.com/office/drawing/2014/main" id="{5D693BDB-CC16-226D-5DAE-805173F7F3C9}"/>
+              </a:ext>
+            </a:extLst>
+          </p:cNvPr>
+          <p:cNvSpPr>
+            <a:spLocks noGrp="1"/>
+          </p:cNvSpPr>
+          <p:nvPr>
+            <p:ph type="ftr" sz="quarter" idx="20"/>
+          </p:nvPr>
+        </p:nvSpPr>
+        <p:spPr/>
+        <p:txBody>
+          <a:bodyPr/>
+          <a:lstStyle/>
+          <a:p>
+            <a:r>
+              <a:rPr lang="en-US" noProof="0" dirty="0"/>
+              <a:t>Feedback Controller / Optimus Syria</a:t>
+            </a:r>
+          </a:p>
+        </p:txBody>
+      </p:sp>
+      <p:sp>
+        <p:nvSpPr>
+          <p:cNvPr id="7" name="Slide Number Placeholder 6">
+            <a:extLst>
+              <a:ext uri="{FF2B5EF4-FFF2-40B4-BE49-F238E27FC236}">
+                <a16:creationId xmlns:a16="http://schemas.microsoft.com/office/drawing/2014/main" id="{A6414BDE-AFEA-4247-E6E8-9E2314428DE8}"/>
+              </a:ext>
+            </a:extLst>
+          </p:cNvPr>
+          <p:cNvSpPr>
+            <a:spLocks noGrp="1"/>
+          </p:cNvSpPr>
+          <p:nvPr>
+            <p:ph type="sldNum" sz="quarter" idx="21"/>
+          </p:nvPr>
+        </p:nvSpPr>
+        <p:spPr/>
+        <p:txBody>
+          <a:bodyPr/>
+          <a:lstStyle/>
+          <a:p>
+            <a:fld id="{3A84E93A-72FE-4BB6-A500-FB6DD421822B}" type="slidenum">
+              <a:rPr lang="en-US" noProof="0" smtClean="0"/>
+              <a:t>11</a:t>
+            </a:fld>
+            <a:endParaRPr lang="en-US" noProof="0" dirty="0"/>
+          </a:p>
+        </p:txBody>
+      </p:sp>
+      <p:sp>
+        <p:nvSpPr>
+          <p:cNvPr id="11" name="TextBox 10">
+            <a:extLst>
+              <a:ext uri="{FF2B5EF4-FFF2-40B4-BE49-F238E27FC236}">
+                <a16:creationId xmlns:a16="http://schemas.microsoft.com/office/drawing/2014/main" id="{BCCE6C2D-D808-E2A0-9009-7A0E5807BB12}"/>
+              </a:ext>
+            </a:extLst>
+          </p:cNvPr>
+          <p:cNvSpPr txBox="1"/>
+          <p:nvPr/>
+        </p:nvSpPr>
+        <p:spPr>
+          <a:xfrm>
+            <a:off x="3024187" y="5977734"/>
+            <a:ext cx="6143624" cy="261610"/>
+          </a:xfrm>
+          <a:prstGeom prst="rect">
+            <a:avLst/>
+          </a:prstGeom>
+          <a:noFill/>
+        </p:spPr>
+        <p:txBody>
+          <a:bodyPr wrap="square">
+            <a:spAutoFit/>
+          </a:bodyPr>
+          <a:lstStyle/>
+          <a:p>
+            <a:r>
+              <a:rPr lang="en-US" sz="1100" noProof="0" dirty="0"/>
+              <a:t>Simulation results for IEA 3.4 MW with feedback control. 12 m/s wind field for DLC 1.2</a:t>
+            </a:r>
+          </a:p>
+        </p:txBody>
+      </p:sp>
+    </p:spTree>
+    <p:extLst>
+      <p:ext uri="{BB962C8B-B14F-4D97-AF65-F5344CB8AC3E}">
+        <p14:creationId xmlns:p14="http://schemas.microsoft.com/office/powerpoint/2010/main" val="2893618559"/>
+      </p:ext>
+    </p:extLst>
+  </p:cSld>
+  <p:clrMapOvr>
+    <a:masterClrMapping/>
+  </p:clrMapOvr>
+</p:sld>
+</file>
+
+<file path=ppt/slides/slide12.xml><?xml version="1.0" encoding="utf-8"?>
+<p:sld xmlns:a="http://schemas.openxmlformats.org/drawingml/2006/main" xmlns:r="http://schemas.openxmlformats.org/officeDocument/2006/relationships" xmlns:p="http://schemas.openxmlformats.org/presentationml/2006/main">
+  <p:cSld>
+    <p:spTree>
+      <p:nvGrpSpPr>
+        <p:cNvPr id="1" name=""/>
+        <p:cNvGrpSpPr/>
+        <p:nvPr/>
+      </p:nvGrpSpPr>
+      <p:grpSpPr>
+        <a:xfrm>
+          <a:off x="0" y="0"/>
+          <a:ext cx="0" cy="0"/>
+          <a:chOff x="0" y="0"/>
+          <a:chExt cx="0" cy="0"/>
+        </a:xfrm>
+      </p:grpSpPr>
+      <p:sp>
+        <p:nvSpPr>
+          <p:cNvPr id="2" name="Title 1">
+            <a:extLst>
+              <a:ext uri="{FF2B5EF4-FFF2-40B4-BE49-F238E27FC236}">
+                <a16:creationId xmlns:a16="http://schemas.microsoft.com/office/drawing/2014/main" id="{B264FF05-E4FA-0C0D-C7B9-03579DF81D4E}"/>
+              </a:ext>
+            </a:extLst>
+          </p:cNvPr>
+          <p:cNvSpPr>
+            <a:spLocks noGrp="1"/>
+          </p:cNvSpPr>
+          <p:nvPr>
+            <p:ph type="title"/>
+          </p:nvPr>
+        </p:nvSpPr>
+        <p:spPr/>
+        <p:txBody>
+          <a:bodyPr/>
+          <a:lstStyle/>
+          <a:p>
+            <a:r>
+              <a:rPr lang="en-US" noProof="0" dirty="0"/>
+              <a:t>Conclusion</a:t>
+            </a:r>
+          </a:p>
+        </p:txBody>
+      </p:sp>
+      <p:sp>
+        <p:nvSpPr>
+          <p:cNvPr id="3" name="Content Placeholder 2">
+            <a:extLst>
+              <a:ext uri="{FF2B5EF4-FFF2-40B4-BE49-F238E27FC236}">
+                <a16:creationId xmlns:a16="http://schemas.microsoft.com/office/drawing/2014/main" id="{715D35A5-984A-3432-0D9F-CBB831617267}"/>
+              </a:ext>
+            </a:extLst>
+          </p:cNvPr>
+          <p:cNvSpPr>
+            <a:spLocks noGrp="1"/>
+          </p:cNvSpPr>
+          <p:nvPr>
+            <p:ph idx="1"/>
+          </p:nvPr>
+        </p:nvSpPr>
+        <p:spPr>
+          <a:xfrm>
+            <a:off x="838200" y="1825625"/>
+            <a:ext cx="10515600" cy="3289300"/>
+          </a:xfrm>
+        </p:spPr>
+        <p:txBody>
+          <a:bodyPr/>
+          <a:lstStyle/>
+          <a:p>
+            <a:r>
+              <a:rPr lang="en-US" noProof="0" dirty="0"/>
+              <a:t> Successfully generated wind fields. </a:t>
+            </a:r>
+          </a:p>
+          <a:p>
+            <a:endParaRPr lang="en-US" noProof="0" dirty="0"/>
+          </a:p>
+          <a:p>
+            <a:r>
+              <a:rPr lang="en-US" noProof="0" dirty="0"/>
+              <a:t>Run examples of DLC 1.2 simulation.</a:t>
+            </a:r>
+          </a:p>
+          <a:p>
+            <a:endParaRPr lang="en-US" noProof="0" dirty="0"/>
+          </a:p>
+          <a:p>
+            <a:r>
+              <a:rPr lang="en-US" b="1" noProof="0" dirty="0"/>
+              <a:t>Next week:</a:t>
+            </a:r>
+          </a:p>
+          <a:p>
+            <a:r>
+              <a:rPr lang="en-US" noProof="0" dirty="0"/>
+              <a:t>Run full DLC 1.2 simulations, with different seeds, wind speeds and longer simulation time.</a:t>
+            </a:r>
+          </a:p>
+          <a:p>
+            <a:r>
+              <a:rPr lang="en-US" noProof="0" dirty="0"/>
+              <a:t>Understand and apply cost calculation for controllers.</a:t>
+            </a:r>
+          </a:p>
+          <a:p>
+            <a:endParaRPr lang="en-US" noProof="0" dirty="0"/>
+          </a:p>
+          <a:p>
+            <a:pPr marL="0" indent="0">
+              <a:buNone/>
+            </a:pPr>
+            <a:endParaRPr lang="en-US" noProof="0" dirty="0"/>
+          </a:p>
+        </p:txBody>
+      </p:sp>
+      <p:sp>
+        <p:nvSpPr>
+          <p:cNvPr id="4" name="Text Placeholder 3">
+            <a:extLst>
+              <a:ext uri="{FF2B5EF4-FFF2-40B4-BE49-F238E27FC236}">
+                <a16:creationId xmlns:a16="http://schemas.microsoft.com/office/drawing/2014/main" id="{FA257715-04AD-1733-D6EE-3ED2075EF0C5}"/>
+              </a:ext>
+            </a:extLst>
+          </p:cNvPr>
+          <p:cNvSpPr>
+            <a:spLocks noGrp="1"/>
+          </p:cNvSpPr>
+          <p:nvPr>
+            <p:ph type="body" sz="quarter" idx="18"/>
+          </p:nvPr>
+        </p:nvSpPr>
+        <p:spPr/>
+        <p:txBody>
+          <a:bodyPr/>
+          <a:lstStyle/>
+          <a:p>
+            <a:r>
+              <a:rPr lang="en-US" noProof="0" dirty="0"/>
+              <a:t>Saurabh Jha - 770271</a:t>
+            </a:r>
+          </a:p>
+        </p:txBody>
+      </p:sp>
+      <p:sp>
+        <p:nvSpPr>
+          <p:cNvPr id="8" name="Date Placeholder 7">
+            <a:extLst>
+              <a:ext uri="{FF2B5EF4-FFF2-40B4-BE49-F238E27FC236}">
+                <a16:creationId xmlns:a16="http://schemas.microsoft.com/office/drawing/2014/main" id="{6E55E15D-A89A-0E88-0C10-DCC57A700420}"/>
+              </a:ext>
+            </a:extLst>
+          </p:cNvPr>
+          <p:cNvSpPr>
+            <a:spLocks noGrp="1"/>
+          </p:cNvSpPr>
+          <p:nvPr>
+            <p:ph type="dt" sz="half" idx="19"/>
+          </p:nvPr>
+        </p:nvSpPr>
+        <p:spPr/>
+        <p:txBody>
+          <a:bodyPr/>
+          <a:lstStyle/>
+          <a:p>
+            <a:r>
+              <a:rPr lang="en-US" noProof="0" dirty="0"/>
+              <a:t>14/10/2025</a:t>
+            </a:r>
+          </a:p>
+        </p:txBody>
+      </p:sp>
+      <p:sp>
+        <p:nvSpPr>
+          <p:cNvPr id="9" name="Slide Number Placeholder 8">
+            <a:extLst>
+              <a:ext uri="{FF2B5EF4-FFF2-40B4-BE49-F238E27FC236}">
+                <a16:creationId xmlns:a16="http://schemas.microsoft.com/office/drawing/2014/main" id="{6820AAE9-4FCB-81C8-9E6C-E44698F413FA}"/>
+              </a:ext>
+            </a:extLst>
+          </p:cNvPr>
+          <p:cNvSpPr>
+            <a:spLocks noGrp="1"/>
+          </p:cNvSpPr>
+          <p:nvPr>
+            <p:ph type="sldNum" sz="quarter" idx="21"/>
+          </p:nvPr>
+        </p:nvSpPr>
+        <p:spPr/>
+        <p:txBody>
+          <a:bodyPr/>
+          <a:lstStyle/>
+          <a:p>
+            <a:fld id="{3A84E93A-72FE-4BB6-A500-FB6DD421822B}" type="slidenum">
+              <a:rPr lang="en-US" noProof="0" smtClean="0"/>
+              <a:t>12</a:t>
+            </a:fld>
+            <a:endParaRPr lang="en-US" noProof="0" dirty="0"/>
+          </a:p>
+        </p:txBody>
+      </p:sp>
+      <p:sp>
+        <p:nvSpPr>
+          <p:cNvPr id="10" name="Footer Placeholder 9">
+            <a:extLst>
+              <a:ext uri="{FF2B5EF4-FFF2-40B4-BE49-F238E27FC236}">
+                <a16:creationId xmlns:a16="http://schemas.microsoft.com/office/drawing/2014/main" id="{D4600388-DD13-10AE-D6E8-C3B2B3F89809}"/>
+              </a:ext>
+            </a:extLst>
+          </p:cNvPr>
+          <p:cNvSpPr>
+            <a:spLocks noGrp="1"/>
+          </p:cNvSpPr>
+          <p:nvPr>
+            <p:ph type="ftr" sz="quarter" idx="20"/>
+          </p:nvPr>
+        </p:nvSpPr>
+        <p:spPr/>
+        <p:txBody>
+          <a:bodyPr/>
+          <a:lstStyle/>
+          <a:p>
+            <a:r>
+              <a:rPr lang="en-US" noProof="0" dirty="0"/>
+              <a:t>Feedback Controller / Optimus Syria</a:t>
+            </a:r>
+          </a:p>
+        </p:txBody>
+      </p:sp>
+    </p:spTree>
+    <p:extLst>
+      <p:ext uri="{BB962C8B-B14F-4D97-AF65-F5344CB8AC3E}">
+        <p14:creationId xmlns:p14="http://schemas.microsoft.com/office/powerpoint/2010/main" val="2223650144"/>
+      </p:ext>
+    </p:extLst>
+  </p:cSld>
+  <p:clrMapOvr>
+    <a:masterClrMapping/>
+  </p:clrMapOvr>
+</p:sld>
+</file>
+
+<file path=ppt/slides/slide13.xml><?xml version="1.0" encoding="utf-8"?>
+<p:sld xmlns:a="http://schemas.openxmlformats.org/drawingml/2006/main" xmlns:r="http://schemas.openxmlformats.org/officeDocument/2006/relationships" xmlns:p="http://schemas.openxmlformats.org/presentationml/2006/main">
+  <p:cSld>
+    <p:spTree>
+      <p:nvGrpSpPr>
+        <p:cNvPr id="1" name=""/>
+        <p:cNvGrpSpPr/>
+        <p:nvPr/>
+      </p:nvGrpSpPr>
+      <p:grpSpPr>
+        <a:xfrm>
+          <a:off x="0" y="0"/>
+          <a:ext cx="0" cy="0"/>
+          <a:chOff x="0" y="0"/>
+          <a:chExt cx="0" cy="0"/>
+        </a:xfrm>
+      </p:grpSpPr>
+      <p:sp>
+        <p:nvSpPr>
           <p:cNvPr id="5" name="Title 4">
             <a:extLst>
               <a:ext uri="{FF2B5EF4-FFF2-40B4-BE49-F238E27FC236}">
@@ -22682,11 +23166,84 @@
               </a:spcAft>
             </a:pPr>
             <a:r>
-              <a:rPr lang="en-US" noProof="0" dirty="0">
+              <a:rPr lang="en-US" dirty="0">
                 <a:latin typeface="Arial" panose="020B0604020202020204" pitchFamily="34" charset="0"/>
                 <a:hlinkClick r:id="rId2" action="ppaction://hlinksldjump"/>
               </a:rPr>
-              <a:t>[1] </a:t>
+              <a:t>[1]</a:t>
+            </a:r>
+            <a:r>
+              <a:rPr lang="tr-TR" dirty="0">
+                <a:latin typeface="Arial" panose="020B0604020202020204" pitchFamily="34" charset="0"/>
+                <a:hlinkClick r:id="rId2" action="ppaction://hlinksldjump"/>
+              </a:rPr>
+              <a:t> </a:t>
+            </a:r>
+            <a:r>
+              <a:rPr lang="en-US" altLang="en-US" dirty="0">
+                <a:latin typeface="Arial" panose="020B0604020202020204" pitchFamily="34" charset="0"/>
+              </a:rPr>
+              <a:t>“</a:t>
+            </a:r>
+            <a:r>
+              <a:rPr lang="en-US" altLang="en-US" dirty="0" err="1">
+                <a:latin typeface="Arial" panose="020B0604020202020204" pitchFamily="34" charset="0"/>
+              </a:rPr>
+              <a:t>TurbSim</a:t>
+            </a:r>
+            <a:r>
+              <a:rPr lang="en-US" altLang="en-US" dirty="0">
+                <a:latin typeface="Arial" panose="020B0604020202020204" pitchFamily="34" charset="0"/>
+              </a:rPr>
+              <a:t> User’s Guide v2.00.00,” </a:t>
+            </a:r>
+            <a:r>
+              <a:rPr lang="en-US" altLang="en-US" i="1" dirty="0">
+                <a:latin typeface="Arial" panose="020B0604020202020204" pitchFamily="34" charset="0"/>
+              </a:rPr>
+              <a:t>Nrel.gov</a:t>
+            </a:r>
+            <a:r>
+              <a:rPr lang="en-US" altLang="en-US" dirty="0">
+                <a:latin typeface="Arial" panose="020B0604020202020204" pitchFamily="34" charset="0"/>
+              </a:rPr>
+              <a:t>, 2025. https://www.nrel.gov/docs/libraries/wind-docs/turbsim_v2-00-pdf.pdf?sfvrsn=5a0a30f8_1</a:t>
+            </a:r>
+          </a:p>
+          <a:p>
+            <a:pPr lvl="0" eaLnBrk="0" fontAlgn="base" hangingPunct="0">
+              <a:lnSpc>
+                <a:spcPct val="100000"/>
+              </a:lnSpc>
+              <a:spcBef>
+                <a:spcPct val="0"/>
+              </a:spcBef>
+              <a:spcAft>
+                <a:spcPct val="0"/>
+              </a:spcAft>
+            </a:pPr>
+            <a:endParaRPr lang="tr-TR" dirty="0">
+              <a:latin typeface="Arial" panose="020B0604020202020204" pitchFamily="34" charset="0"/>
+            </a:endParaRPr>
+          </a:p>
+          <a:p>
+            <a:pPr lvl="0" eaLnBrk="0" fontAlgn="base" hangingPunct="0">
+              <a:lnSpc>
+                <a:spcPct val="100000"/>
+              </a:lnSpc>
+              <a:spcBef>
+                <a:spcPct val="0"/>
+              </a:spcBef>
+              <a:spcAft>
+                <a:spcPct val="0"/>
+              </a:spcAft>
+            </a:pPr>
+            <a:r>
+              <a:rPr lang="tr-TR" dirty="0">
+                <a:latin typeface="Arial" panose="020B0604020202020204" pitchFamily="34" charset="0"/>
+                <a:hlinkClick r:id="rId3" action="ppaction://hlinksldjump"/>
+              </a:rPr>
+              <a:t>[2] </a:t>
             </a:r>
             <a:r>
               <a:rPr lang="en-US" noProof="0" dirty="0">
@@ -22819,7 +23376,7 @@
           <a:p>
             <a:fld id="{3A84E93A-72FE-4BB6-A500-FB6DD421822B}" type="slidenum">
               <a:rPr lang="en-US" noProof="0" smtClean="0"/>
-              <a:t>11</a:t>
+              <a:t>13</a:t>
             </a:fld>
             <a:endParaRPr lang="en-US" noProof="0" dirty="0"/>
           </a:p>
@@ -23751,7 +24308,7 @@
           <p:cNvPr id="2" name="Title 1">
             <a:extLst>
               <a:ext uri="{FF2B5EF4-FFF2-40B4-BE49-F238E27FC236}">
-                <a16:creationId xmlns:a16="http://schemas.microsoft.com/office/drawing/2014/main" id="{8E95869B-45CB-D92B-F65E-ED5CF4659551}"/>
+                <a16:creationId xmlns:a16="http://schemas.microsoft.com/office/drawing/2014/main" id="{8F29B904-28AD-F7A1-A164-2A6EC9198991}"/>
               </a:ext>
             </a:extLst>
           </p:cNvPr>
@@ -23769,8 +24326,138 @@
           <a:p>
             <a:r>
               <a:rPr lang="en-US" noProof="0" dirty="0"/>
-              <a:t>Calculation for Hub Height</a:t>
-            </a:r>
+              <a:t>Wind Field Generation </a:t>
+            </a:r>
+          </a:p>
+        </p:txBody>
+      </p:sp>
+      <p:sp>
+        <p:nvSpPr>
+          <p:cNvPr id="3" name="Content Placeholder 2">
+            <a:extLst>
+              <a:ext uri="{FF2B5EF4-FFF2-40B4-BE49-F238E27FC236}">
+                <a16:creationId xmlns:a16="http://schemas.microsoft.com/office/drawing/2014/main" id="{80EF0754-55F5-C932-7C8C-24D9F5E102F6}"/>
+              </a:ext>
+            </a:extLst>
+          </p:cNvPr>
+          <p:cNvSpPr>
+            <a:spLocks noGrp="1"/>
+          </p:cNvSpPr>
+          <p:nvPr>
+            <p:ph idx="1"/>
+          </p:nvPr>
+        </p:nvSpPr>
+        <p:spPr>
+          <a:xfrm>
+            <a:off x="640080" y="1690688"/>
+            <a:ext cx="6339840" cy="4351338"/>
+          </a:xfrm>
+        </p:spPr>
+        <p:txBody>
+          <a:bodyPr>
+            <a:normAutofit lnSpcReduction="10000"/>
+          </a:bodyPr>
+          <a:lstStyle/>
+          <a:p>
+            <a:pPr fontAlgn="base">
+              <a:buFont typeface="Wingdings" panose="05000000000000000000" pitchFamily="2" charset="2"/>
+              <a:buChar char="Ø"/>
+            </a:pPr>
+            <a:r>
+              <a:rPr lang="en-US" noProof="0" dirty="0"/>
+              <a:t>Things to consider </a:t>
+            </a:r>
+            <a:r>
+              <a:rPr lang="en-US" b="1" noProof="0" dirty="0"/>
+              <a:t>for input file</a:t>
+            </a:r>
+            <a:r>
+              <a:rPr lang="en-US" noProof="0" dirty="0"/>
+              <a:t>.</a:t>
+            </a:r>
+          </a:p>
+          <a:p>
+            <a:pPr marL="0" indent="0" fontAlgn="base">
+              <a:buNone/>
+            </a:pPr>
+            <a:endParaRPr lang="en-US" noProof="0" dirty="0"/>
+          </a:p>
+          <a:p>
+            <a:pPr fontAlgn="base"/>
+            <a:r>
+              <a:rPr lang="en-US" noProof="0" dirty="0"/>
+              <a:t>Between </a:t>
+            </a:r>
+            <a:r>
+              <a:rPr lang="en-US" b="1" noProof="0" dirty="0"/>
+              <a:t>30 and 40 grid points</a:t>
+            </a:r>
+            <a:r>
+              <a:rPr lang="en-US" noProof="0" dirty="0"/>
+              <a:t>.</a:t>
+            </a:r>
+          </a:p>
+          <a:p>
+            <a:pPr fontAlgn="base"/>
+            <a:endParaRPr lang="en-US" noProof="0" dirty="0"/>
+          </a:p>
+          <a:p>
+            <a:pPr fontAlgn="base"/>
+            <a:r>
+              <a:rPr lang="en-US" noProof="0" dirty="0"/>
+              <a:t>One grid point </a:t>
+            </a:r>
+            <a:r>
+              <a:rPr lang="en-US" b="1" noProof="0" dirty="0"/>
+              <a:t>should be at 0,0</a:t>
+            </a:r>
+            <a:r>
+              <a:rPr lang="en-US" noProof="0" dirty="0"/>
+              <a:t>​.</a:t>
+            </a:r>
+          </a:p>
+          <a:p>
+            <a:pPr fontAlgn="base"/>
+            <a:endParaRPr lang="en-US" noProof="0" dirty="0"/>
+          </a:p>
+          <a:p>
+            <a:pPr fontAlgn="base"/>
+            <a:r>
+              <a:rPr lang="en-US" noProof="0" dirty="0"/>
+              <a:t>Grid height and grid width should be </a:t>
+            </a:r>
+            <a:r>
+              <a:rPr lang="en-US" b="1" noProof="0" dirty="0"/>
+              <a:t>at least 10% larger than diameter</a:t>
+            </a:r>
+            <a:r>
+              <a:rPr lang="en-US" noProof="0" dirty="0"/>
+              <a:t>.</a:t>
+            </a:r>
+          </a:p>
+          <a:p>
+            <a:pPr fontAlgn="base"/>
+            <a:endParaRPr lang="en-US" noProof="0" dirty="0"/>
+          </a:p>
+          <a:p>
+            <a:pPr fontAlgn="base"/>
+            <a:r>
+              <a:rPr lang="en-US" b="1" noProof="0" dirty="0"/>
+              <a:t>+1 should be added to number of grids </a:t>
+            </a:r>
+            <a:r>
+              <a:rPr lang="en-US" noProof="0" dirty="0"/>
+              <a:t>in input file to complete the grid.</a:t>
+            </a:r>
+          </a:p>
+          <a:p>
+            <a:pPr marL="0" indent="0" fontAlgn="base">
+              <a:buNone/>
+            </a:pPr>
+            <a:endParaRPr lang="en-US" noProof="0" dirty="0"/>
+          </a:p>
+          <a:p>
+            <a:endParaRPr lang="en-US" noProof="0" dirty="0"/>
           </a:p>
         </p:txBody>
       </p:sp>
@@ -23779,7 +24466,7 @@
           <p:cNvPr id="4" name="Text Placeholder 3">
             <a:extLst>
               <a:ext uri="{FF2B5EF4-FFF2-40B4-BE49-F238E27FC236}">
-                <a16:creationId xmlns:a16="http://schemas.microsoft.com/office/drawing/2014/main" id="{C009F43F-8865-91BE-3DBD-EEF88C06E835}"/>
+                <a16:creationId xmlns:a16="http://schemas.microsoft.com/office/drawing/2014/main" id="{F6405456-3928-014D-81CB-3696E17469E8}"/>
               </a:ext>
             </a:extLst>
           </p:cNvPr>
@@ -23804,10 +24491,178 @@
       </p:sp>
       <p:sp>
         <p:nvSpPr>
-          <p:cNvPr id="5" name="Text Placeholder 4">
-            <a:extLst>
-              <a:ext uri="{FF2B5EF4-FFF2-40B4-BE49-F238E27FC236}">
-                <a16:creationId xmlns:a16="http://schemas.microsoft.com/office/drawing/2014/main" id="{FAC0A327-0FA8-3AC0-7298-C6C4BA5639C3}"/>
+          <p:cNvPr id="5" name="Date Placeholder 4">
+            <a:extLst>
+              <a:ext uri="{FF2B5EF4-FFF2-40B4-BE49-F238E27FC236}">
+                <a16:creationId xmlns:a16="http://schemas.microsoft.com/office/drawing/2014/main" id="{317B6345-4E42-89DA-EA99-40A1A26FDA04}"/>
+              </a:ext>
+            </a:extLst>
+          </p:cNvPr>
+          <p:cNvSpPr>
+            <a:spLocks noGrp="1"/>
+          </p:cNvSpPr>
+          <p:nvPr>
+            <p:ph type="dt" sz="half" idx="19"/>
+          </p:nvPr>
+        </p:nvSpPr>
+        <p:spPr/>
+        <p:txBody>
+          <a:bodyPr/>
+          <a:lstStyle/>
+          <a:p>
+            <a:r>
+              <a:rPr lang="en-US" noProof="0" dirty="0"/>
+              <a:t>14/10/2025</a:t>
+            </a:r>
+          </a:p>
+        </p:txBody>
+      </p:sp>
+      <p:sp>
+        <p:nvSpPr>
+          <p:cNvPr id="6" name="Footer Placeholder 5">
+            <a:extLst>
+              <a:ext uri="{FF2B5EF4-FFF2-40B4-BE49-F238E27FC236}">
+                <a16:creationId xmlns:a16="http://schemas.microsoft.com/office/drawing/2014/main" id="{2A770D87-E367-F846-5190-50D03B3F509A}"/>
+              </a:ext>
+            </a:extLst>
+          </p:cNvPr>
+          <p:cNvSpPr>
+            <a:spLocks noGrp="1"/>
+          </p:cNvSpPr>
+          <p:nvPr>
+            <p:ph type="ftr" sz="quarter" idx="20"/>
+          </p:nvPr>
+        </p:nvSpPr>
+        <p:spPr/>
+        <p:txBody>
+          <a:bodyPr/>
+          <a:lstStyle/>
+          <a:p>
+            <a:r>
+              <a:rPr lang="en-US" noProof="0" dirty="0"/>
+              <a:t>Feedback Controller / Optimus Syria</a:t>
+            </a:r>
+          </a:p>
+        </p:txBody>
+      </p:sp>
+      <p:sp>
+        <p:nvSpPr>
+          <p:cNvPr id="7" name="Slide Number Placeholder 6">
+            <a:extLst>
+              <a:ext uri="{FF2B5EF4-FFF2-40B4-BE49-F238E27FC236}">
+                <a16:creationId xmlns:a16="http://schemas.microsoft.com/office/drawing/2014/main" id="{25FAAB45-B603-3290-7F29-DC7C0C2BC58A}"/>
+              </a:ext>
+            </a:extLst>
+          </p:cNvPr>
+          <p:cNvSpPr>
+            <a:spLocks noGrp="1"/>
+          </p:cNvSpPr>
+          <p:nvPr>
+            <p:ph type="sldNum" sz="quarter" idx="21"/>
+          </p:nvPr>
+        </p:nvSpPr>
+        <p:spPr/>
+        <p:txBody>
+          <a:bodyPr/>
+          <a:lstStyle/>
+          <a:p>
+            <a:fld id="{3A84E93A-72FE-4BB6-A500-FB6DD421822B}" type="slidenum">
+              <a:rPr lang="en-US" noProof="0" smtClean="0"/>
+              <a:t>5</a:t>
+            </a:fld>
+            <a:endParaRPr lang="en-US" noProof="0" dirty="0"/>
+          </a:p>
+        </p:txBody>
+      </p:sp>
+      <p:pic>
+        <p:nvPicPr>
+          <p:cNvPr id="10" name="Picture 9">
+            <a:extLst>
+              <a:ext uri="{FF2B5EF4-FFF2-40B4-BE49-F238E27FC236}">
+                <a16:creationId xmlns:a16="http://schemas.microsoft.com/office/drawing/2014/main" id="{BF9DB03E-A53B-6A3C-538F-EF323C22B565}"/>
+              </a:ext>
+            </a:extLst>
+          </p:cNvPr>
+          <p:cNvPicPr>
+            <a:picLocks noChangeAspect="1"/>
+          </p:cNvPicPr>
+          <p:nvPr/>
+        </p:nvPicPr>
+        <p:blipFill>
+          <a:blip r:embed="rId2"/>
+          <a:stretch>
+            <a:fillRect/>
+          </a:stretch>
+        </p:blipFill>
+        <p:spPr>
+          <a:xfrm>
+            <a:off x="7721704" y="1690688"/>
+            <a:ext cx="3057952" cy="2981741"/>
+          </a:xfrm>
+          <a:prstGeom prst="rect">
+            <a:avLst/>
+          </a:prstGeom>
+        </p:spPr>
+      </p:pic>
+      <p:sp>
+        <p:nvSpPr>
+          <p:cNvPr id="11" name="TextBox 10">
+            <a:extLst>
+              <a:ext uri="{FF2B5EF4-FFF2-40B4-BE49-F238E27FC236}">
+                <a16:creationId xmlns:a16="http://schemas.microsoft.com/office/drawing/2014/main" id="{A1837429-7A85-C9C7-838F-59BDDCA38965}"/>
+              </a:ext>
+            </a:extLst>
+          </p:cNvPr>
+          <p:cNvSpPr txBox="1"/>
+          <p:nvPr/>
+        </p:nvSpPr>
+        <p:spPr>
+          <a:xfrm>
+            <a:off x="7879080" y="4797969"/>
+            <a:ext cx="2743200" cy="261610"/>
+          </a:xfrm>
+          <a:prstGeom prst="rect">
+            <a:avLst/>
+          </a:prstGeom>
+          <a:noFill/>
+        </p:spPr>
+        <p:txBody>
+          <a:bodyPr wrap="square" rtlCol="0">
+            <a:spAutoFit/>
+          </a:bodyPr>
+          <a:lstStyle/>
+          <a:p>
+            <a:pPr algn="l"/>
+            <a:r>
+              <a:rPr lang="en-US" sz="1100" noProof="0" dirty="0"/>
+              <a:t>Example</a:t>
+            </a:r>
+            <a:r>
+              <a:rPr lang="tr-TR" sz="1100" noProof="0"/>
+              <a:t> </a:t>
+            </a:r>
+            <a:r>
+              <a:rPr lang="en-US" sz="1100" noProof="0"/>
+              <a:t>Wind </a:t>
+            </a:r>
+            <a:r>
+              <a:rPr lang="en-US" sz="1100" noProof="0" dirty="0"/>
+              <a:t>Field from </a:t>
+            </a:r>
+            <a:r>
+              <a:rPr lang="en-US" sz="1100" noProof="0" dirty="0" err="1"/>
+              <a:t>TurbSim</a:t>
+            </a:r>
+            <a:endParaRPr lang="en-US" sz="1100" noProof="0" dirty="0"/>
+          </a:p>
+        </p:txBody>
+      </p:sp>
+      <p:sp>
+        <p:nvSpPr>
+          <p:cNvPr id="12" name="Text Placeholder 4">
+            <a:extLst>
+              <a:ext uri="{FF2B5EF4-FFF2-40B4-BE49-F238E27FC236}">
+                <a16:creationId xmlns:a16="http://schemas.microsoft.com/office/drawing/2014/main" id="{10343721-2714-696F-A80B-E7ABD2B6149E}"/>
               </a:ext>
             </a:extLst>
           </p:cNvPr>
@@ -23818,7 +24673,12 @@
             <p:ph type="body" sz="quarter" idx="22"/>
           </p:nvPr>
         </p:nvSpPr>
-        <p:spPr/>
+        <p:spPr>
+          <a:xfrm>
+            <a:off x="749023" y="6216958"/>
+            <a:ext cx="2248453" cy="309850"/>
+          </a:xfrm>
+        </p:spPr>
         <p:txBody>
           <a:bodyPr>
             <a:normAutofit fontScale="62500" lnSpcReduction="20000"/>
@@ -23830,20 +24690,231 @@
             </a:pPr>
             <a:r>
               <a:rPr lang="en-US" noProof="0" dirty="0">
-                <a:hlinkClick r:id="rId2" action="ppaction://hlinksldjump"/>
+                <a:hlinkClick r:id="rId3" action="ppaction://hlinksldjump"/>
               </a:rPr>
-              <a:t>[1]</a:t>
+              <a:t>[</a:t>
+            </a:r>
+            <a:r>
+              <a:rPr lang="tr-TR" dirty="0">
+                <a:hlinkClick r:id="rId3" action="ppaction://hlinksldjump"/>
+              </a:rPr>
+              <a:t>1</a:t>
+            </a:r>
+            <a:r>
+              <a:rPr lang="en-US" noProof="0" dirty="0">
+                <a:hlinkClick r:id="rId3" action="ppaction://hlinksldjump"/>
+              </a:rPr>
+              <a:t>]</a:t>
             </a:r>
             <a:endParaRPr lang="en-US" noProof="0" dirty="0"/>
           </a:p>
         </p:txBody>
       </p:sp>
-      <p:sp>
-        <p:nvSpPr>
-          <p:cNvPr id="9" name="Date Placeholder 8">
-            <a:extLst>
-              <a:ext uri="{FF2B5EF4-FFF2-40B4-BE49-F238E27FC236}">
-                <a16:creationId xmlns:a16="http://schemas.microsoft.com/office/drawing/2014/main" id="{901F8B71-00CF-6DEE-8CB6-8B02B1F403DA}"/>
+    </p:spTree>
+    <p:extLst>
+      <p:ext uri="{BB962C8B-B14F-4D97-AF65-F5344CB8AC3E}">
+        <p14:creationId xmlns:p14="http://schemas.microsoft.com/office/powerpoint/2010/main" val="1265009855"/>
+      </p:ext>
+    </p:extLst>
+  </p:cSld>
+  <p:clrMapOvr>
+    <a:masterClrMapping/>
+  </p:clrMapOvr>
+</p:sld>
+</file>
+
+<file path=ppt/slides/slide6.xml><?xml version="1.0" encoding="utf-8"?>
+<p:sld xmlns:a="http://schemas.openxmlformats.org/drawingml/2006/main" xmlns:r="http://schemas.openxmlformats.org/officeDocument/2006/relationships" xmlns:p="http://schemas.openxmlformats.org/presentationml/2006/main">
+  <p:cSld>
+    <p:spTree>
+      <p:nvGrpSpPr>
+        <p:cNvPr id="1" name=""/>
+        <p:cNvGrpSpPr/>
+        <p:nvPr/>
+      </p:nvGrpSpPr>
+      <p:grpSpPr>
+        <a:xfrm>
+          <a:off x="0" y="0"/>
+          <a:ext cx="0" cy="0"/>
+          <a:chOff x="0" y="0"/>
+          <a:chExt cx="0" cy="0"/>
+        </a:xfrm>
+      </p:grpSpPr>
+      <p:sp>
+        <p:nvSpPr>
+          <p:cNvPr id="2" name="Title 1">
+            <a:extLst>
+              <a:ext uri="{FF2B5EF4-FFF2-40B4-BE49-F238E27FC236}">
+                <a16:creationId xmlns:a16="http://schemas.microsoft.com/office/drawing/2014/main" id="{0F77CF0A-4D0C-CAAC-67E2-3FBE6678B910}"/>
+              </a:ext>
+            </a:extLst>
+          </p:cNvPr>
+          <p:cNvSpPr>
+            <a:spLocks noGrp="1"/>
+          </p:cNvSpPr>
+          <p:nvPr>
+            <p:ph type="title"/>
+          </p:nvPr>
+        </p:nvSpPr>
+        <p:spPr/>
+        <p:txBody>
+          <a:bodyPr/>
+          <a:lstStyle/>
+          <a:p>
+            <a:r>
+              <a:rPr lang="en-US" noProof="0" dirty="0"/>
+              <a:t>Wind Field Generation </a:t>
+            </a:r>
+          </a:p>
+        </p:txBody>
+      </p:sp>
+      <p:sp>
+        <p:nvSpPr>
+          <p:cNvPr id="3" name="Content Placeholder 2">
+            <a:extLst>
+              <a:ext uri="{FF2B5EF4-FFF2-40B4-BE49-F238E27FC236}">
+                <a16:creationId xmlns:a16="http://schemas.microsoft.com/office/drawing/2014/main" id="{577029DD-0D03-DD36-486C-0A46A6DE33E8}"/>
+              </a:ext>
+            </a:extLst>
+          </p:cNvPr>
+          <p:cNvSpPr>
+            <a:spLocks noGrp="1"/>
+          </p:cNvSpPr>
+          <p:nvPr>
+            <p:ph idx="1"/>
+          </p:nvPr>
+        </p:nvSpPr>
+        <p:spPr/>
+        <p:txBody>
+          <a:bodyPr>
+            <a:normAutofit/>
+          </a:bodyPr>
+          <a:lstStyle/>
+          <a:p>
+            <a:r>
+              <a:rPr lang="en-US" b="1" noProof="0" dirty="0"/>
+              <a:t>Wind Model Specifications for DLC 1.2.:</a:t>
+            </a:r>
+            <a:endParaRPr lang="en-US" noProof="0" dirty="0"/>
+          </a:p>
+          <a:p>
+            <a:pPr marL="457200" lvl="1" indent="0">
+              <a:buNone/>
+            </a:pPr>
+            <a:r>
+              <a:rPr lang="en-US" b="1" noProof="0" dirty="0"/>
+              <a:t>Turbulence Class:</a:t>
+            </a:r>
+            <a:r>
+              <a:rPr lang="en-US" noProof="0" dirty="0"/>
+              <a:t> IEC 'A' (High turbulence intensity).</a:t>
+            </a:r>
+          </a:p>
+          <a:p>
+            <a:pPr marL="457200" lvl="1" indent="0">
+              <a:buNone/>
+            </a:pPr>
+            <a:r>
+              <a:rPr lang="en-US" b="1" noProof="0" dirty="0"/>
+              <a:t>Wind Type:</a:t>
+            </a:r>
+            <a:r>
+              <a:rPr lang="en-US" noProof="0" dirty="0"/>
+              <a:t> Normal Turbulence Model (NTM).</a:t>
+            </a:r>
+          </a:p>
+          <a:p>
+            <a:pPr marL="457200" lvl="1" indent="0">
+              <a:buNone/>
+            </a:pPr>
+            <a:r>
+              <a:rPr lang="en-US" b="1" noProof="0" dirty="0"/>
+              <a:t>Simulation Duration:</a:t>
+            </a:r>
+            <a:r>
+              <a:rPr lang="en-US" noProof="0" dirty="0"/>
+              <a:t> 600-second analysis time</a:t>
+            </a:r>
+          </a:p>
+          <a:p>
+            <a:r>
+              <a:rPr lang="en-US" b="1" noProof="0" dirty="0" err="1"/>
+              <a:t>UsableTime</a:t>
+            </a:r>
+            <a:r>
+              <a:rPr lang="en-US" b="1" noProof="0" dirty="0"/>
+              <a:t>: </a:t>
+            </a:r>
+            <a:r>
+              <a:rPr lang="en-US" noProof="0" dirty="0"/>
+              <a:t>Should be set to ‘ALL’.</a:t>
+            </a:r>
+            <a:endParaRPr lang="en-US" b="1" noProof="0" dirty="0"/>
+          </a:p>
+          <a:p>
+            <a:r>
+              <a:rPr lang="en-US" b="1" noProof="0" dirty="0"/>
+              <a:t>Scale IEC: S</a:t>
+            </a:r>
+            <a:r>
+              <a:rPr lang="en-US" noProof="0" dirty="0"/>
+              <a:t>hould be set to ‘2’, in order simulation has right mean and standard </a:t>
+            </a:r>
+            <a:r>
+              <a:rPr lang="en-US" noProof="0" dirty="0" err="1"/>
+              <a:t>deviaton</a:t>
+            </a:r>
+            <a:r>
+              <a:rPr lang="en-US" noProof="0" dirty="0"/>
+              <a:t>.</a:t>
+            </a:r>
+          </a:p>
+          <a:p>
+            <a:r>
+              <a:rPr lang="en-US" b="1" noProof="0" dirty="0" err="1"/>
+              <a:t>TimeStep</a:t>
+            </a:r>
+            <a:r>
+              <a:rPr lang="en-US" noProof="0" dirty="0"/>
+              <a:t>: Should be at least 2 times of the highest eigenfrequency, 5-10 times are better.</a:t>
+            </a:r>
+          </a:p>
+        </p:txBody>
+      </p:sp>
+      <p:sp>
+        <p:nvSpPr>
+          <p:cNvPr id="4" name="Text Placeholder 3">
+            <a:extLst>
+              <a:ext uri="{FF2B5EF4-FFF2-40B4-BE49-F238E27FC236}">
+                <a16:creationId xmlns:a16="http://schemas.microsoft.com/office/drawing/2014/main" id="{E3936D5F-5A6B-524D-9649-528482DBDB85}"/>
+              </a:ext>
+            </a:extLst>
+          </p:cNvPr>
+          <p:cNvSpPr>
+            <a:spLocks noGrp="1"/>
+          </p:cNvSpPr>
+          <p:nvPr>
+            <p:ph type="body" sz="quarter" idx="18"/>
+          </p:nvPr>
+        </p:nvSpPr>
+        <p:spPr/>
+        <p:txBody>
+          <a:bodyPr/>
+          <a:lstStyle/>
+          <a:p>
+            <a:r>
+              <a:rPr lang="en-US" noProof="0" dirty="0"/>
+              <a:t>Saurabh Jha - 770271</a:t>
+            </a:r>
+          </a:p>
+        </p:txBody>
+      </p:sp>
+      <p:sp>
+        <p:nvSpPr>
+          <p:cNvPr id="5" name="Date Placeholder 4">
+            <a:extLst>
+              <a:ext uri="{FF2B5EF4-FFF2-40B4-BE49-F238E27FC236}">
+                <a16:creationId xmlns:a16="http://schemas.microsoft.com/office/drawing/2014/main" id="{8694E307-C0A3-AAF7-ADFE-87C5AB034891}"/>
               </a:ext>
             </a:extLst>
           </p:cNvPr>
@@ -23868,10 +24939,38 @@
       </p:sp>
       <p:sp>
         <p:nvSpPr>
-          <p:cNvPr id="10" name="Slide Number Placeholder 9">
-            <a:extLst>
-              <a:ext uri="{FF2B5EF4-FFF2-40B4-BE49-F238E27FC236}">
-                <a16:creationId xmlns:a16="http://schemas.microsoft.com/office/drawing/2014/main" id="{E378E386-6418-36B5-BC71-953E4548F27E}"/>
+          <p:cNvPr id="6" name="Footer Placeholder 5">
+            <a:extLst>
+              <a:ext uri="{FF2B5EF4-FFF2-40B4-BE49-F238E27FC236}">
+                <a16:creationId xmlns:a16="http://schemas.microsoft.com/office/drawing/2014/main" id="{AC8A8F9E-3BAE-EC80-FEAE-38D399DB2A89}"/>
+              </a:ext>
+            </a:extLst>
+          </p:cNvPr>
+          <p:cNvSpPr>
+            <a:spLocks noGrp="1"/>
+          </p:cNvSpPr>
+          <p:nvPr>
+            <p:ph type="ftr" sz="quarter" idx="20"/>
+          </p:nvPr>
+        </p:nvSpPr>
+        <p:spPr/>
+        <p:txBody>
+          <a:bodyPr/>
+          <a:lstStyle/>
+          <a:p>
+            <a:r>
+              <a:rPr lang="en-US" noProof="0" dirty="0"/>
+              <a:t>Feedback Controller / Optimus Syria</a:t>
+            </a:r>
+          </a:p>
+        </p:txBody>
+      </p:sp>
+      <p:sp>
+        <p:nvSpPr>
+          <p:cNvPr id="7" name="Slide Number Placeholder 6">
+            <a:extLst>
+              <a:ext uri="{FF2B5EF4-FFF2-40B4-BE49-F238E27FC236}">
+                <a16:creationId xmlns:a16="http://schemas.microsoft.com/office/drawing/2014/main" id="{BD42938C-8206-40B7-1FDD-47C398007CAA}"/>
               </a:ext>
             </a:extLst>
           </p:cNvPr>
@@ -23889,7 +24988,198 @@
           <a:p>
             <a:fld id="{3A84E93A-72FE-4BB6-A500-FB6DD421822B}" type="slidenum">
               <a:rPr lang="en-US" noProof="0" smtClean="0"/>
-              <a:t>5</a:t>
+              <a:t>6</a:t>
+            </a:fld>
+            <a:endParaRPr lang="en-US" noProof="0" dirty="0"/>
+          </a:p>
+        </p:txBody>
+      </p:sp>
+    </p:spTree>
+    <p:extLst>
+      <p:ext uri="{BB962C8B-B14F-4D97-AF65-F5344CB8AC3E}">
+        <p14:creationId xmlns:p14="http://schemas.microsoft.com/office/powerpoint/2010/main" val="600355780"/>
+      </p:ext>
+    </p:extLst>
+  </p:cSld>
+  <p:clrMapOvr>
+    <a:masterClrMapping/>
+  </p:clrMapOvr>
+</p:sld>
+</file>
+
+<file path=ppt/slides/slide7.xml><?xml version="1.0" encoding="utf-8"?>
+<p:sld xmlns:a="http://schemas.openxmlformats.org/drawingml/2006/main" xmlns:r="http://schemas.openxmlformats.org/officeDocument/2006/relationships" xmlns:p="http://schemas.openxmlformats.org/presentationml/2006/main">
+  <p:cSld>
+    <p:spTree>
+      <p:nvGrpSpPr>
+        <p:cNvPr id="1" name=""/>
+        <p:cNvGrpSpPr/>
+        <p:nvPr/>
+      </p:nvGrpSpPr>
+      <p:grpSpPr>
+        <a:xfrm>
+          <a:off x="0" y="0"/>
+          <a:ext cx="0" cy="0"/>
+          <a:chOff x="0" y="0"/>
+          <a:chExt cx="0" cy="0"/>
+        </a:xfrm>
+      </p:grpSpPr>
+      <p:sp>
+        <p:nvSpPr>
+          <p:cNvPr id="2" name="Title 1">
+            <a:extLst>
+              <a:ext uri="{FF2B5EF4-FFF2-40B4-BE49-F238E27FC236}">
+                <a16:creationId xmlns:a16="http://schemas.microsoft.com/office/drawing/2014/main" id="{8E95869B-45CB-D92B-F65E-ED5CF4659551}"/>
+              </a:ext>
+            </a:extLst>
+          </p:cNvPr>
+          <p:cNvSpPr>
+            <a:spLocks noGrp="1"/>
+          </p:cNvSpPr>
+          <p:nvPr>
+            <p:ph type="title"/>
+          </p:nvPr>
+        </p:nvSpPr>
+        <p:spPr/>
+        <p:txBody>
+          <a:bodyPr/>
+          <a:lstStyle/>
+          <a:p>
+            <a:r>
+              <a:rPr lang="en-US" noProof="0" dirty="0"/>
+              <a:t>Calculation for Hub Height</a:t>
+            </a:r>
+          </a:p>
+        </p:txBody>
+      </p:sp>
+      <p:sp>
+        <p:nvSpPr>
+          <p:cNvPr id="4" name="Text Placeholder 3">
+            <a:extLst>
+              <a:ext uri="{FF2B5EF4-FFF2-40B4-BE49-F238E27FC236}">
+                <a16:creationId xmlns:a16="http://schemas.microsoft.com/office/drawing/2014/main" id="{C009F43F-8865-91BE-3DBD-EEF88C06E835}"/>
+              </a:ext>
+            </a:extLst>
+          </p:cNvPr>
+          <p:cNvSpPr>
+            <a:spLocks noGrp="1"/>
+          </p:cNvSpPr>
+          <p:nvPr>
+            <p:ph type="body" sz="quarter" idx="18"/>
+          </p:nvPr>
+        </p:nvSpPr>
+        <p:spPr/>
+        <p:txBody>
+          <a:bodyPr/>
+          <a:lstStyle/>
+          <a:p>
+            <a:r>
+              <a:rPr lang="en-US" noProof="0" dirty="0"/>
+              <a:t>Saurabh Jha - 770271</a:t>
+            </a:r>
+          </a:p>
+        </p:txBody>
+      </p:sp>
+      <p:sp>
+        <p:nvSpPr>
+          <p:cNvPr id="5" name="Text Placeholder 4">
+            <a:extLst>
+              <a:ext uri="{FF2B5EF4-FFF2-40B4-BE49-F238E27FC236}">
+                <a16:creationId xmlns:a16="http://schemas.microsoft.com/office/drawing/2014/main" id="{FAC0A327-0FA8-3AC0-7298-C6C4BA5639C3}"/>
+              </a:ext>
+            </a:extLst>
+          </p:cNvPr>
+          <p:cNvSpPr>
+            <a:spLocks noGrp="1"/>
+          </p:cNvSpPr>
+          <p:nvPr>
+            <p:ph type="body" sz="quarter" idx="22"/>
+          </p:nvPr>
+        </p:nvSpPr>
+        <p:spPr/>
+        <p:txBody>
+          <a:bodyPr>
+            <a:normAutofit fontScale="62500" lnSpcReduction="20000"/>
+          </a:bodyPr>
+          <a:lstStyle/>
+          <a:p>
+            <a:pPr marL="0" indent="0">
+              <a:buNone/>
+            </a:pPr>
+            <a:r>
+              <a:rPr lang="en-US" noProof="0" dirty="0">
+                <a:hlinkClick r:id="rId2" action="ppaction://hlinksldjump"/>
+              </a:rPr>
+              <a:t>[</a:t>
+            </a:r>
+            <a:r>
+              <a:rPr lang="tr-TR" noProof="0" dirty="0">
+                <a:hlinkClick r:id="rId2" action="ppaction://hlinksldjump"/>
+              </a:rPr>
+              <a:t>2</a:t>
+            </a:r>
+            <a:r>
+              <a:rPr lang="en-US" noProof="0" dirty="0">
+                <a:hlinkClick r:id="rId2" action="ppaction://hlinksldjump"/>
+              </a:rPr>
+              <a:t>]</a:t>
+            </a:r>
+            <a:endParaRPr lang="en-US" noProof="0" dirty="0"/>
+          </a:p>
+        </p:txBody>
+      </p:sp>
+      <p:sp>
+        <p:nvSpPr>
+          <p:cNvPr id="9" name="Date Placeholder 8">
+            <a:extLst>
+              <a:ext uri="{FF2B5EF4-FFF2-40B4-BE49-F238E27FC236}">
+                <a16:creationId xmlns:a16="http://schemas.microsoft.com/office/drawing/2014/main" id="{901F8B71-00CF-6DEE-8CB6-8B02B1F403DA}"/>
+              </a:ext>
+            </a:extLst>
+          </p:cNvPr>
+          <p:cNvSpPr>
+            <a:spLocks noGrp="1"/>
+          </p:cNvSpPr>
+          <p:nvPr>
+            <p:ph type="dt" sz="half" idx="19"/>
+          </p:nvPr>
+        </p:nvSpPr>
+        <p:spPr/>
+        <p:txBody>
+          <a:bodyPr/>
+          <a:lstStyle/>
+          <a:p>
+            <a:r>
+              <a:rPr lang="en-US" noProof="0" dirty="0"/>
+              <a:t>14/10/2025</a:t>
+            </a:r>
+          </a:p>
+        </p:txBody>
+      </p:sp>
+      <p:sp>
+        <p:nvSpPr>
+          <p:cNvPr id="10" name="Slide Number Placeholder 9">
+            <a:extLst>
+              <a:ext uri="{FF2B5EF4-FFF2-40B4-BE49-F238E27FC236}">
+                <a16:creationId xmlns:a16="http://schemas.microsoft.com/office/drawing/2014/main" id="{E378E386-6418-36B5-BC71-953E4548F27E}"/>
+              </a:ext>
+            </a:extLst>
+          </p:cNvPr>
+          <p:cNvSpPr>
+            <a:spLocks noGrp="1"/>
+          </p:cNvSpPr>
+          <p:nvPr>
+            <p:ph type="sldNum" sz="quarter" idx="21"/>
+          </p:nvPr>
+        </p:nvSpPr>
+        <p:spPr/>
+        <p:txBody>
+          <a:bodyPr/>
+          <a:lstStyle/>
+          <a:p>
+            <a:fld id="{3A84E93A-72FE-4BB6-A500-FB6DD421822B}" type="slidenum">
+              <a:rPr lang="en-US" noProof="0" smtClean="0"/>
+              <a:t>7</a:t>
             </a:fld>
             <a:endParaRPr lang="en-US" noProof="0" dirty="0"/>
           </a:p>
@@ -23970,8 +25260,8 @@
           </a:extLst>
         </p:spPr>
       </p:pic>
-      <mc:AlternateContent xmlns:mc="http://schemas.openxmlformats.org/markup-compatibility/2006">
-        <mc:Choice xmlns:a14="http://schemas.microsoft.com/office/drawing/2010/main" Requires="a14">
+      <mc:AlternateContent xmlns:mc="http://schemas.openxmlformats.org/markup-compatibility/2006" xmlns:a14="http://schemas.microsoft.com/office/drawing/2010/main">
+        <mc:Choice Requires="a14">
           <p:sp>
             <p:nvSpPr>
               <p:cNvPr id="12" name="TextBox 11">
@@ -24163,7 +25453,7 @@
             </p:txBody>
           </p:sp>
         </mc:Choice>
-        <mc:Fallback>
+        <mc:Fallback xmlns="">
           <p:sp>
             <p:nvSpPr>
               <p:cNvPr id="12" name="TextBox 11">
@@ -24340,7 +25630,7 @@
 </p:sld>
 </file>
 
-<file path=ppt/slides/slide6.xml><?xml version="1.0" encoding="utf-8"?>
+<file path=ppt/slides/slide8.xml><?xml version="1.0" encoding="utf-8"?>
 <p:sld xmlns:a="http://schemas.openxmlformats.org/drawingml/2006/main" xmlns:r="http://schemas.openxmlformats.org/officeDocument/2006/relationships" xmlns:p="http://schemas.openxmlformats.org/presentationml/2006/main">
   <p:cSld>
     <p:spTree>
@@ -24470,7 +25760,7 @@
           <a:p>
             <a:fld id="{3A84E93A-72FE-4BB6-A500-FB6DD421822B}" type="slidenum">
               <a:rPr lang="en-US" noProof="0" smtClean="0"/>
-              <a:t>6</a:t>
+              <a:t>8</a:t>
             </a:fld>
             <a:endParaRPr lang="en-US" noProof="0" dirty="0"/>
           </a:p>
@@ -24662,488 +25952,6 @@
     <p:extLst>
       <p:ext uri="{BB962C8B-B14F-4D97-AF65-F5344CB8AC3E}">
         <p14:creationId xmlns:p14="http://schemas.microsoft.com/office/powerpoint/2010/main" val="228873024"/>
-      </p:ext>
-    </p:extLst>
-  </p:cSld>
-  <p:clrMapOvr>
-    <a:masterClrMapping/>
-  </p:clrMapOvr>
-</p:sld>
-</file>
-
-<file path=ppt/slides/slide7.xml><?xml version="1.0" encoding="utf-8"?>
-<p:sld xmlns:a="http://schemas.openxmlformats.org/drawingml/2006/main" xmlns:r="http://schemas.openxmlformats.org/officeDocument/2006/relationships" xmlns:p="http://schemas.openxmlformats.org/presentationml/2006/main">
-  <p:cSld>
-    <p:spTree>
-      <p:nvGrpSpPr>
-        <p:cNvPr id="1" name=""/>
-        <p:cNvGrpSpPr/>
-        <p:nvPr/>
-      </p:nvGrpSpPr>
-      <p:grpSpPr>
-        <a:xfrm>
-          <a:off x="0" y="0"/>
-          <a:ext cx="0" cy="0"/>
-          <a:chOff x="0" y="0"/>
-          <a:chExt cx="0" cy="0"/>
-        </a:xfrm>
-      </p:grpSpPr>
-      <p:sp>
-        <p:nvSpPr>
-          <p:cNvPr id="2" name="Title 1">
-            <a:extLst>
-              <a:ext uri="{FF2B5EF4-FFF2-40B4-BE49-F238E27FC236}">
-                <a16:creationId xmlns:a16="http://schemas.microsoft.com/office/drawing/2014/main" id="{9D0844D2-574B-AC79-501D-DC7B34CBAD12}"/>
-              </a:ext>
-            </a:extLst>
-          </p:cNvPr>
-          <p:cNvSpPr>
-            <a:spLocks noGrp="1"/>
-          </p:cNvSpPr>
-          <p:nvPr>
-            <p:ph type="title"/>
-          </p:nvPr>
-        </p:nvSpPr>
-        <p:spPr/>
-        <p:txBody>
-          <a:bodyPr/>
-          <a:lstStyle/>
-          <a:p>
-            <a:r>
-              <a:rPr lang="en-US" noProof="0" dirty="0"/>
-              <a:t>Result 1</a:t>
-            </a:r>
-          </a:p>
-        </p:txBody>
-      </p:sp>
-      <p:sp>
-        <p:nvSpPr>
-          <p:cNvPr id="4" name="Text Placeholder 3">
-            <a:extLst>
-              <a:ext uri="{FF2B5EF4-FFF2-40B4-BE49-F238E27FC236}">
-                <a16:creationId xmlns:a16="http://schemas.microsoft.com/office/drawing/2014/main" id="{F22ED222-3408-09F2-A04F-08AFA29FB175}"/>
-              </a:ext>
-            </a:extLst>
-          </p:cNvPr>
-          <p:cNvSpPr>
-            <a:spLocks noGrp="1"/>
-          </p:cNvSpPr>
-          <p:nvPr>
-            <p:ph type="body" sz="quarter" idx="18"/>
-          </p:nvPr>
-        </p:nvSpPr>
-        <p:spPr/>
-        <p:txBody>
-          <a:bodyPr/>
-          <a:lstStyle/>
-          <a:p>
-            <a:r>
-              <a:rPr lang="en-US" noProof="0" dirty="0"/>
-              <a:t>Saurabh Jha - 770271</a:t>
-            </a:r>
-          </a:p>
-        </p:txBody>
-      </p:sp>
-      <p:sp>
-        <p:nvSpPr>
-          <p:cNvPr id="5" name="Date Placeholder 4">
-            <a:extLst>
-              <a:ext uri="{FF2B5EF4-FFF2-40B4-BE49-F238E27FC236}">
-                <a16:creationId xmlns:a16="http://schemas.microsoft.com/office/drawing/2014/main" id="{646636EB-BA10-5190-E799-4531BE14A0A8}"/>
-              </a:ext>
-            </a:extLst>
-          </p:cNvPr>
-          <p:cNvSpPr>
-            <a:spLocks noGrp="1"/>
-          </p:cNvSpPr>
-          <p:nvPr>
-            <p:ph type="dt" sz="half" idx="19"/>
-          </p:nvPr>
-        </p:nvSpPr>
-        <p:spPr/>
-        <p:txBody>
-          <a:bodyPr/>
-          <a:lstStyle/>
-          <a:p>
-            <a:r>
-              <a:rPr lang="en-US" noProof="0" dirty="0"/>
-              <a:t>14/10/2025</a:t>
-            </a:r>
-          </a:p>
-        </p:txBody>
-      </p:sp>
-      <p:sp>
-        <p:nvSpPr>
-          <p:cNvPr id="6" name="Footer Placeholder 5">
-            <a:extLst>
-              <a:ext uri="{FF2B5EF4-FFF2-40B4-BE49-F238E27FC236}">
-                <a16:creationId xmlns:a16="http://schemas.microsoft.com/office/drawing/2014/main" id="{B789E5D1-B4A9-6D9F-4BEB-8E6213936C95}"/>
-              </a:ext>
-            </a:extLst>
-          </p:cNvPr>
-          <p:cNvSpPr>
-            <a:spLocks noGrp="1"/>
-          </p:cNvSpPr>
-          <p:nvPr>
-            <p:ph type="ftr" sz="quarter" idx="20"/>
-          </p:nvPr>
-        </p:nvSpPr>
-        <p:spPr/>
-        <p:txBody>
-          <a:bodyPr/>
-          <a:lstStyle/>
-          <a:p>
-            <a:r>
-              <a:rPr lang="en-US" noProof="0" dirty="0"/>
-              <a:t>Feedback Controller / Optimus Syria</a:t>
-            </a:r>
-          </a:p>
-        </p:txBody>
-      </p:sp>
-      <p:sp>
-        <p:nvSpPr>
-          <p:cNvPr id="7" name="Slide Number Placeholder 6">
-            <a:extLst>
-              <a:ext uri="{FF2B5EF4-FFF2-40B4-BE49-F238E27FC236}">
-                <a16:creationId xmlns:a16="http://schemas.microsoft.com/office/drawing/2014/main" id="{F2F1F29F-47AD-F76F-E8BD-C10B8579B7C5}"/>
-              </a:ext>
-            </a:extLst>
-          </p:cNvPr>
-          <p:cNvSpPr>
-            <a:spLocks noGrp="1"/>
-          </p:cNvSpPr>
-          <p:nvPr>
-            <p:ph type="sldNum" sz="quarter" idx="21"/>
-          </p:nvPr>
-        </p:nvSpPr>
-        <p:spPr/>
-        <p:txBody>
-          <a:bodyPr/>
-          <a:lstStyle/>
-          <a:p>
-            <a:fld id="{3A84E93A-72FE-4BB6-A500-FB6DD421822B}" type="slidenum">
-              <a:rPr lang="en-US" noProof="0" smtClean="0"/>
-              <a:t>7</a:t>
-            </a:fld>
-            <a:endParaRPr lang="en-US" noProof="0" dirty="0"/>
-          </a:p>
-        </p:txBody>
-      </p:sp>
-      <p:pic>
-        <p:nvPicPr>
-          <p:cNvPr id="18" name="Content Placeholder 17" descr="A graph of a graph&#10;&#10;AI-generated content may be incorrect.">
-            <a:extLst>
-              <a:ext uri="{FF2B5EF4-FFF2-40B4-BE49-F238E27FC236}">
-                <a16:creationId xmlns:a16="http://schemas.microsoft.com/office/drawing/2014/main" id="{F3107852-109A-2849-BF81-194D057EAF8E}"/>
-              </a:ext>
-            </a:extLst>
-          </p:cNvPr>
-          <p:cNvPicPr>
-            <a:picLocks noGrp="1" noChangeAspect="1"/>
-          </p:cNvPicPr>
-          <p:nvPr>
-            <p:ph idx="1"/>
-          </p:nvPr>
-        </p:nvPicPr>
-        <p:blipFill>
-          <a:blip r:embed="rId2">
-            <a:extLst>
-              <a:ext uri="{28A0092B-C50C-407E-A947-70E740481C1C}">
-                <a14:useLocalDpi xmlns:a14="http://schemas.microsoft.com/office/drawing/2010/main" val="0"/>
-              </a:ext>
-            </a:extLst>
-          </a:blip>
-          <a:stretch>
-            <a:fillRect/>
-          </a:stretch>
-        </p:blipFill>
-        <p:spPr>
-          <a:xfrm>
-            <a:off x="1721880" y="1563237"/>
-            <a:ext cx="8748239" cy="4351338"/>
-          </a:xfrm>
-        </p:spPr>
-      </p:pic>
-      <p:sp>
-        <p:nvSpPr>
-          <p:cNvPr id="20" name="TextBox 19">
-            <a:extLst>
-              <a:ext uri="{FF2B5EF4-FFF2-40B4-BE49-F238E27FC236}">
-                <a16:creationId xmlns:a16="http://schemas.microsoft.com/office/drawing/2014/main" id="{7206BF61-48FB-4E0D-43D6-DF280E27DF14}"/>
-              </a:ext>
-            </a:extLst>
-          </p:cNvPr>
-          <p:cNvSpPr txBox="1"/>
-          <p:nvPr/>
-        </p:nvSpPr>
-        <p:spPr>
-          <a:xfrm>
-            <a:off x="3024187" y="5977734"/>
-            <a:ext cx="6143624" cy="261610"/>
-          </a:xfrm>
-          <a:prstGeom prst="rect">
-            <a:avLst/>
-          </a:prstGeom>
-          <a:noFill/>
-        </p:spPr>
-        <p:txBody>
-          <a:bodyPr wrap="square">
-            <a:spAutoFit/>
-          </a:bodyPr>
-          <a:lstStyle/>
-          <a:p>
-            <a:r>
-              <a:rPr lang="en-US" sz="1100" noProof="0" dirty="0"/>
-              <a:t>Simulation results for IEA 3.4 MW with feedback control. 8 m/s wind field for DLC 1.2</a:t>
-            </a:r>
-          </a:p>
-        </p:txBody>
-      </p:sp>
-    </p:spTree>
-    <p:extLst>
-      <p:ext uri="{BB962C8B-B14F-4D97-AF65-F5344CB8AC3E}">
-        <p14:creationId xmlns:p14="http://schemas.microsoft.com/office/powerpoint/2010/main" val="1247206294"/>
-      </p:ext>
-    </p:extLst>
-  </p:cSld>
-  <p:clrMapOvr>
-    <a:masterClrMapping/>
-  </p:clrMapOvr>
-</p:sld>
-</file>
-
-<file path=ppt/slides/slide8.xml><?xml version="1.0" encoding="utf-8"?>
-<p:sld xmlns:a="http://schemas.openxmlformats.org/drawingml/2006/main" xmlns:r="http://schemas.openxmlformats.org/officeDocument/2006/relationships" xmlns:p="http://schemas.openxmlformats.org/presentationml/2006/main">
-  <p:cSld>
-    <p:spTree>
-      <p:nvGrpSpPr>
-        <p:cNvPr id="1" name=""/>
-        <p:cNvGrpSpPr/>
-        <p:nvPr/>
-      </p:nvGrpSpPr>
-      <p:grpSpPr>
-        <a:xfrm>
-          <a:off x="0" y="0"/>
-          <a:ext cx="0" cy="0"/>
-          <a:chOff x="0" y="0"/>
-          <a:chExt cx="0" cy="0"/>
-        </a:xfrm>
-      </p:grpSpPr>
-      <p:sp>
-        <p:nvSpPr>
-          <p:cNvPr id="2" name="Title 1">
-            <a:extLst>
-              <a:ext uri="{FF2B5EF4-FFF2-40B4-BE49-F238E27FC236}">
-                <a16:creationId xmlns:a16="http://schemas.microsoft.com/office/drawing/2014/main" id="{07A9484E-BB4B-8947-6011-95CB9893D613}"/>
-              </a:ext>
-            </a:extLst>
-          </p:cNvPr>
-          <p:cNvSpPr>
-            <a:spLocks noGrp="1"/>
-          </p:cNvSpPr>
-          <p:nvPr>
-            <p:ph type="title"/>
-          </p:nvPr>
-        </p:nvSpPr>
-        <p:spPr/>
-        <p:txBody>
-          <a:bodyPr/>
-          <a:lstStyle/>
-          <a:p>
-            <a:r>
-              <a:rPr lang="en-US" noProof="0" dirty="0"/>
-              <a:t>Result  2</a:t>
-            </a:r>
-          </a:p>
-        </p:txBody>
-      </p:sp>
-      <p:pic>
-        <p:nvPicPr>
-          <p:cNvPr id="10" name="Content Placeholder 9" descr="A graph of a graph&#10;&#10;AI-generated content may be incorrect.">
-            <a:extLst>
-              <a:ext uri="{FF2B5EF4-FFF2-40B4-BE49-F238E27FC236}">
-                <a16:creationId xmlns:a16="http://schemas.microsoft.com/office/drawing/2014/main" id="{2767DF0A-7889-CDA6-0A8D-53C190C3293F}"/>
-              </a:ext>
-            </a:extLst>
-          </p:cNvPr>
-          <p:cNvPicPr>
-            <a:picLocks noGrp="1" noChangeAspect="1"/>
-          </p:cNvPicPr>
-          <p:nvPr>
-            <p:ph idx="1"/>
-          </p:nvPr>
-        </p:nvPicPr>
-        <p:blipFill>
-          <a:blip r:embed="rId2">
-            <a:extLst>
-              <a:ext uri="{28A0092B-C50C-407E-A947-70E740481C1C}">
-                <a14:useLocalDpi xmlns:a14="http://schemas.microsoft.com/office/drawing/2010/main" val="0"/>
-              </a:ext>
-            </a:extLst>
-          </a:blip>
-          <a:stretch>
-            <a:fillRect/>
-          </a:stretch>
-        </p:blipFill>
-        <p:spPr>
-          <a:xfrm>
-            <a:off x="1721880" y="1690688"/>
-            <a:ext cx="8748239" cy="4351338"/>
-          </a:xfrm>
-        </p:spPr>
-      </p:pic>
-      <p:sp>
-        <p:nvSpPr>
-          <p:cNvPr id="4" name="Text Placeholder 3">
-            <a:extLst>
-              <a:ext uri="{FF2B5EF4-FFF2-40B4-BE49-F238E27FC236}">
-                <a16:creationId xmlns:a16="http://schemas.microsoft.com/office/drawing/2014/main" id="{3440D322-1695-0DBC-AD2C-AA1B5720A307}"/>
-              </a:ext>
-            </a:extLst>
-          </p:cNvPr>
-          <p:cNvSpPr>
-            <a:spLocks noGrp="1"/>
-          </p:cNvSpPr>
-          <p:nvPr>
-            <p:ph type="body" sz="quarter" idx="18"/>
-          </p:nvPr>
-        </p:nvSpPr>
-        <p:spPr/>
-        <p:txBody>
-          <a:bodyPr/>
-          <a:lstStyle/>
-          <a:p>
-            <a:r>
-              <a:rPr lang="en-US" noProof="0" dirty="0"/>
-              <a:t>Saurabh Jha - 770271</a:t>
-            </a:r>
-          </a:p>
-        </p:txBody>
-      </p:sp>
-      <p:sp>
-        <p:nvSpPr>
-          <p:cNvPr id="5" name="Date Placeholder 4">
-            <a:extLst>
-              <a:ext uri="{FF2B5EF4-FFF2-40B4-BE49-F238E27FC236}">
-                <a16:creationId xmlns:a16="http://schemas.microsoft.com/office/drawing/2014/main" id="{0ED1A5DE-8750-9895-7B38-B7BFBBE30462}"/>
-              </a:ext>
-            </a:extLst>
-          </p:cNvPr>
-          <p:cNvSpPr>
-            <a:spLocks noGrp="1"/>
-          </p:cNvSpPr>
-          <p:nvPr>
-            <p:ph type="dt" sz="half" idx="19"/>
-          </p:nvPr>
-        </p:nvSpPr>
-        <p:spPr/>
-        <p:txBody>
-          <a:bodyPr/>
-          <a:lstStyle/>
-          <a:p>
-            <a:r>
-              <a:rPr lang="en-US" noProof="0" dirty="0"/>
-              <a:t>14/10/2025</a:t>
-            </a:r>
-          </a:p>
-        </p:txBody>
-      </p:sp>
-      <p:sp>
-        <p:nvSpPr>
-          <p:cNvPr id="6" name="Footer Placeholder 5">
-            <a:extLst>
-              <a:ext uri="{FF2B5EF4-FFF2-40B4-BE49-F238E27FC236}">
-                <a16:creationId xmlns:a16="http://schemas.microsoft.com/office/drawing/2014/main" id="{D2EC167C-0D96-594C-1335-48752B164D92}"/>
-              </a:ext>
-            </a:extLst>
-          </p:cNvPr>
-          <p:cNvSpPr>
-            <a:spLocks noGrp="1"/>
-          </p:cNvSpPr>
-          <p:nvPr>
-            <p:ph type="ftr" sz="quarter" idx="20"/>
-          </p:nvPr>
-        </p:nvSpPr>
-        <p:spPr/>
-        <p:txBody>
-          <a:bodyPr/>
-          <a:lstStyle/>
-          <a:p>
-            <a:r>
-              <a:rPr lang="en-US" noProof="0" dirty="0"/>
-              <a:t>Feedback Controller / Optimus Syria</a:t>
-            </a:r>
-          </a:p>
-        </p:txBody>
-      </p:sp>
-      <p:sp>
-        <p:nvSpPr>
-          <p:cNvPr id="7" name="Slide Number Placeholder 6">
-            <a:extLst>
-              <a:ext uri="{FF2B5EF4-FFF2-40B4-BE49-F238E27FC236}">
-                <a16:creationId xmlns:a16="http://schemas.microsoft.com/office/drawing/2014/main" id="{62400FDA-913A-BDC5-14B9-D2788F61941B}"/>
-              </a:ext>
-            </a:extLst>
-          </p:cNvPr>
-          <p:cNvSpPr>
-            <a:spLocks noGrp="1"/>
-          </p:cNvSpPr>
-          <p:nvPr>
-            <p:ph type="sldNum" sz="quarter" idx="21"/>
-          </p:nvPr>
-        </p:nvSpPr>
-        <p:spPr/>
-        <p:txBody>
-          <a:bodyPr/>
-          <a:lstStyle/>
-          <a:p>
-            <a:fld id="{3A84E93A-72FE-4BB6-A500-FB6DD421822B}" type="slidenum">
-              <a:rPr lang="en-US" noProof="0" smtClean="0"/>
-              <a:t>8</a:t>
-            </a:fld>
-            <a:endParaRPr lang="en-US" noProof="0" dirty="0"/>
-          </a:p>
-        </p:txBody>
-      </p:sp>
-      <p:sp>
-        <p:nvSpPr>
-          <p:cNvPr id="11" name="TextBox 10">
-            <a:extLst>
-              <a:ext uri="{FF2B5EF4-FFF2-40B4-BE49-F238E27FC236}">
-                <a16:creationId xmlns:a16="http://schemas.microsoft.com/office/drawing/2014/main" id="{AA28CE0C-EDED-5606-3684-03812F41E31C}"/>
-              </a:ext>
-            </a:extLst>
-          </p:cNvPr>
-          <p:cNvSpPr txBox="1"/>
-          <p:nvPr/>
-        </p:nvSpPr>
-        <p:spPr>
-          <a:xfrm>
-            <a:off x="3024187" y="5977734"/>
-            <a:ext cx="6143624" cy="261610"/>
-          </a:xfrm>
-          <a:prstGeom prst="rect">
-            <a:avLst/>
-          </a:prstGeom>
-          <a:noFill/>
-        </p:spPr>
-        <p:txBody>
-          <a:bodyPr wrap="square">
-            <a:spAutoFit/>
-          </a:bodyPr>
-          <a:lstStyle/>
-          <a:p>
-            <a:r>
-              <a:rPr lang="en-US" sz="1100" noProof="0" dirty="0"/>
-              <a:t>Simulation results for IEA 3.4 MW with feedback control. 10 m/s wind field for DLC 1.2</a:t>
-            </a:r>
-          </a:p>
-        </p:txBody>
-      </p:sp>
-    </p:spTree>
-    <p:extLst>
-      <p:ext uri="{BB962C8B-B14F-4D97-AF65-F5344CB8AC3E}">
-        <p14:creationId xmlns:p14="http://schemas.microsoft.com/office/powerpoint/2010/main" val="1824606005"/>
       </p:ext>
     </p:extLst>
   </p:cSld>
@@ -25175,7 +25983,7 @@
           <p:cNvPr id="2" name="Title 1">
             <a:extLst>
               <a:ext uri="{FF2B5EF4-FFF2-40B4-BE49-F238E27FC236}">
-                <a16:creationId xmlns:a16="http://schemas.microsoft.com/office/drawing/2014/main" id="{28B71076-8861-9737-9512-F92DBB3D2225}"/>
+                <a16:creationId xmlns:a16="http://schemas.microsoft.com/office/drawing/2014/main" id="{9D0844D2-574B-AC79-501D-DC7B34CBAD12}"/>
               </a:ext>
             </a:extLst>
           </p:cNvPr>
@@ -25193,17 +26001,130 @@
           <a:p>
             <a:r>
               <a:rPr lang="en-US" noProof="0" dirty="0"/>
-              <a:t>Result 3</a:t>
-            </a:r>
+              <a:t>Result 1</a:t>
+            </a:r>
+          </a:p>
+        </p:txBody>
+      </p:sp>
+      <p:sp>
+        <p:nvSpPr>
+          <p:cNvPr id="4" name="Text Placeholder 3">
+            <a:extLst>
+              <a:ext uri="{FF2B5EF4-FFF2-40B4-BE49-F238E27FC236}">
+                <a16:creationId xmlns:a16="http://schemas.microsoft.com/office/drawing/2014/main" id="{F22ED222-3408-09F2-A04F-08AFA29FB175}"/>
+              </a:ext>
+            </a:extLst>
+          </p:cNvPr>
+          <p:cNvSpPr>
+            <a:spLocks noGrp="1"/>
+          </p:cNvSpPr>
+          <p:nvPr>
+            <p:ph type="body" sz="quarter" idx="18"/>
+          </p:nvPr>
+        </p:nvSpPr>
+        <p:spPr/>
+        <p:txBody>
+          <a:bodyPr/>
+          <a:lstStyle/>
+          <a:p>
+            <a:r>
+              <a:rPr lang="en-US" noProof="0" dirty="0"/>
+              <a:t>Saurabh Jha - 770271</a:t>
+            </a:r>
+          </a:p>
+        </p:txBody>
+      </p:sp>
+      <p:sp>
+        <p:nvSpPr>
+          <p:cNvPr id="5" name="Date Placeholder 4">
+            <a:extLst>
+              <a:ext uri="{FF2B5EF4-FFF2-40B4-BE49-F238E27FC236}">
+                <a16:creationId xmlns:a16="http://schemas.microsoft.com/office/drawing/2014/main" id="{646636EB-BA10-5190-E799-4531BE14A0A8}"/>
+              </a:ext>
+            </a:extLst>
+          </p:cNvPr>
+          <p:cNvSpPr>
+            <a:spLocks noGrp="1"/>
+          </p:cNvSpPr>
+          <p:nvPr>
+            <p:ph type="dt" sz="half" idx="19"/>
+          </p:nvPr>
+        </p:nvSpPr>
+        <p:spPr/>
+        <p:txBody>
+          <a:bodyPr/>
+          <a:lstStyle/>
+          <a:p>
+            <a:r>
+              <a:rPr lang="en-US" noProof="0" dirty="0"/>
+              <a:t>14/10/2025</a:t>
+            </a:r>
+          </a:p>
+        </p:txBody>
+      </p:sp>
+      <p:sp>
+        <p:nvSpPr>
+          <p:cNvPr id="6" name="Footer Placeholder 5">
+            <a:extLst>
+              <a:ext uri="{FF2B5EF4-FFF2-40B4-BE49-F238E27FC236}">
+                <a16:creationId xmlns:a16="http://schemas.microsoft.com/office/drawing/2014/main" id="{B789E5D1-B4A9-6D9F-4BEB-8E6213936C95}"/>
+              </a:ext>
+            </a:extLst>
+          </p:cNvPr>
+          <p:cNvSpPr>
+            <a:spLocks noGrp="1"/>
+          </p:cNvSpPr>
+          <p:nvPr>
+            <p:ph type="ftr" sz="quarter" idx="20"/>
+          </p:nvPr>
+        </p:nvSpPr>
+        <p:spPr/>
+        <p:txBody>
+          <a:bodyPr/>
+          <a:lstStyle/>
+          <a:p>
+            <a:r>
+              <a:rPr lang="en-US" noProof="0" dirty="0"/>
+              <a:t>Feedback Controller / Optimus Syria</a:t>
+            </a:r>
+          </a:p>
+        </p:txBody>
+      </p:sp>
+      <p:sp>
+        <p:nvSpPr>
+          <p:cNvPr id="7" name="Slide Number Placeholder 6">
+            <a:extLst>
+              <a:ext uri="{FF2B5EF4-FFF2-40B4-BE49-F238E27FC236}">
+                <a16:creationId xmlns:a16="http://schemas.microsoft.com/office/drawing/2014/main" id="{F2F1F29F-47AD-F76F-E8BD-C10B8579B7C5}"/>
+              </a:ext>
+            </a:extLst>
+          </p:cNvPr>
+          <p:cNvSpPr>
+            <a:spLocks noGrp="1"/>
+          </p:cNvSpPr>
+          <p:nvPr>
+            <p:ph type="sldNum" sz="quarter" idx="21"/>
+          </p:nvPr>
+        </p:nvSpPr>
+        <p:spPr/>
+        <p:txBody>
+          <a:bodyPr/>
+          <a:lstStyle/>
+          <a:p>
+            <a:fld id="{3A84E93A-72FE-4BB6-A500-FB6DD421822B}" type="slidenum">
+              <a:rPr lang="en-US" noProof="0" smtClean="0"/>
+              <a:t>9</a:t>
+            </a:fld>
+            <a:endParaRPr lang="en-US" noProof="0" dirty="0"/>
           </a:p>
         </p:txBody>
       </p:sp>
       <p:pic>
         <p:nvPicPr>
-          <p:cNvPr id="10" name="Content Placeholder 9" descr="A graph of a wave&#10;&#10;AI-generated content may be incorrect.">
-            <a:extLst>
-              <a:ext uri="{FF2B5EF4-FFF2-40B4-BE49-F238E27FC236}">
-                <a16:creationId xmlns:a16="http://schemas.microsoft.com/office/drawing/2014/main" id="{132BFCE4-C950-DDD8-E989-B47414371D85}"/>
+          <p:cNvPr id="18" name="Content Placeholder 17" descr="A graph of a graph&#10;&#10;AI-generated content may be incorrect.">
+            <a:extLst>
+              <a:ext uri="{FF2B5EF4-FFF2-40B4-BE49-F238E27FC236}">
+                <a16:creationId xmlns:a16="http://schemas.microsoft.com/office/drawing/2014/main" id="{F3107852-109A-2849-BF81-194D057EAF8E}"/>
               </a:ext>
             </a:extLst>
           </p:cNvPr>
@@ -25228,130 +26149,17 @@
         </p:blipFill>
         <p:spPr>
           <a:xfrm>
-            <a:off x="1721880" y="1690688"/>
+            <a:off x="1721880" y="1563237"/>
             <a:ext cx="8748239" cy="4351338"/>
           </a:xfrm>
         </p:spPr>
       </p:pic>
       <p:sp>
         <p:nvSpPr>
-          <p:cNvPr id="4" name="Text Placeholder 3">
-            <a:extLst>
-              <a:ext uri="{FF2B5EF4-FFF2-40B4-BE49-F238E27FC236}">
-                <a16:creationId xmlns:a16="http://schemas.microsoft.com/office/drawing/2014/main" id="{8C96F4EC-3271-76C1-202E-F5DC63092BCE}"/>
-              </a:ext>
-            </a:extLst>
-          </p:cNvPr>
-          <p:cNvSpPr>
-            <a:spLocks noGrp="1"/>
-          </p:cNvSpPr>
-          <p:nvPr>
-            <p:ph type="body" sz="quarter" idx="18"/>
-          </p:nvPr>
-        </p:nvSpPr>
-        <p:spPr/>
-        <p:txBody>
-          <a:bodyPr/>
-          <a:lstStyle/>
-          <a:p>
-            <a:r>
-              <a:rPr lang="en-US" noProof="0" dirty="0"/>
-              <a:t>Saurabh Jha - 770271</a:t>
-            </a:r>
-          </a:p>
-        </p:txBody>
-      </p:sp>
-      <p:sp>
-        <p:nvSpPr>
-          <p:cNvPr id="5" name="Date Placeholder 4">
-            <a:extLst>
-              <a:ext uri="{FF2B5EF4-FFF2-40B4-BE49-F238E27FC236}">
-                <a16:creationId xmlns:a16="http://schemas.microsoft.com/office/drawing/2014/main" id="{70D39E17-C8E7-DF12-53CE-99D96B4E351D}"/>
-              </a:ext>
-            </a:extLst>
-          </p:cNvPr>
-          <p:cNvSpPr>
-            <a:spLocks noGrp="1"/>
-          </p:cNvSpPr>
-          <p:nvPr>
-            <p:ph type="dt" sz="half" idx="19"/>
-          </p:nvPr>
-        </p:nvSpPr>
-        <p:spPr/>
-        <p:txBody>
-          <a:bodyPr/>
-          <a:lstStyle/>
-          <a:p>
-            <a:r>
-              <a:rPr lang="en-US" noProof="0" dirty="0"/>
-              <a:t>14/10/2025</a:t>
-            </a:r>
-          </a:p>
-        </p:txBody>
-      </p:sp>
-      <p:sp>
-        <p:nvSpPr>
-          <p:cNvPr id="6" name="Footer Placeholder 5">
-            <a:extLst>
-              <a:ext uri="{FF2B5EF4-FFF2-40B4-BE49-F238E27FC236}">
-                <a16:creationId xmlns:a16="http://schemas.microsoft.com/office/drawing/2014/main" id="{5D693BDB-CC16-226D-5DAE-805173F7F3C9}"/>
-              </a:ext>
-            </a:extLst>
-          </p:cNvPr>
-          <p:cNvSpPr>
-            <a:spLocks noGrp="1"/>
-          </p:cNvSpPr>
-          <p:nvPr>
-            <p:ph type="ftr" sz="quarter" idx="20"/>
-          </p:nvPr>
-        </p:nvSpPr>
-        <p:spPr/>
-        <p:txBody>
-          <a:bodyPr/>
-          <a:lstStyle/>
-          <a:p>
-            <a:r>
-              <a:rPr lang="en-US" noProof="0" dirty="0"/>
-              <a:t>Feedback Controller / Optimus Syria</a:t>
-            </a:r>
-          </a:p>
-        </p:txBody>
-      </p:sp>
-      <p:sp>
-        <p:nvSpPr>
-          <p:cNvPr id="7" name="Slide Number Placeholder 6">
-            <a:extLst>
-              <a:ext uri="{FF2B5EF4-FFF2-40B4-BE49-F238E27FC236}">
-                <a16:creationId xmlns:a16="http://schemas.microsoft.com/office/drawing/2014/main" id="{A6414BDE-AFEA-4247-E6E8-9E2314428DE8}"/>
-              </a:ext>
-            </a:extLst>
-          </p:cNvPr>
-          <p:cNvSpPr>
-            <a:spLocks noGrp="1"/>
-          </p:cNvSpPr>
-          <p:nvPr>
-            <p:ph type="sldNum" sz="quarter" idx="21"/>
-          </p:nvPr>
-        </p:nvSpPr>
-        <p:spPr/>
-        <p:txBody>
-          <a:bodyPr/>
-          <a:lstStyle/>
-          <a:p>
-            <a:fld id="{3A84E93A-72FE-4BB6-A500-FB6DD421822B}" type="slidenum">
-              <a:rPr lang="en-US" noProof="0" smtClean="0"/>
-              <a:t>9</a:t>
-            </a:fld>
-            <a:endParaRPr lang="en-US" noProof="0" dirty="0"/>
-          </a:p>
-        </p:txBody>
-      </p:sp>
-      <p:sp>
-        <p:nvSpPr>
-          <p:cNvPr id="11" name="TextBox 10">
-            <a:extLst>
-              <a:ext uri="{FF2B5EF4-FFF2-40B4-BE49-F238E27FC236}">
-                <a16:creationId xmlns:a16="http://schemas.microsoft.com/office/drawing/2014/main" id="{BCCE6C2D-D808-E2A0-9009-7A0E5807BB12}"/>
+          <p:cNvPr id="20" name="TextBox 19">
+            <a:extLst>
+              <a:ext uri="{FF2B5EF4-FFF2-40B4-BE49-F238E27FC236}">
+                <a16:creationId xmlns:a16="http://schemas.microsoft.com/office/drawing/2014/main" id="{7206BF61-48FB-4E0D-43D6-DF280E27DF14}"/>
               </a:ext>
             </a:extLst>
           </p:cNvPr>
@@ -25376,7 +26184,7 @@
           <a:p>
             <a:r>
               <a:rPr lang="en-US" sz="1100" noProof="0" dirty="0"/>
-              <a:t>Simulation results for IEA 3.4 MW with feedback control. 12 m/s wind field for DLC 1.2</a:t>
+              <a:t>Simulation results for IEA 3.4 MW with feedback control. 8 m/s wind field for DLC 1.2</a:t>
             </a:r>
           </a:p>
         </p:txBody>
@@ -25384,7 +26192,7 @@
     </p:spTree>
     <p:extLst>
       <p:ext uri="{BB962C8B-B14F-4D97-AF65-F5344CB8AC3E}">
-        <p14:creationId xmlns:p14="http://schemas.microsoft.com/office/powerpoint/2010/main" val="2893618559"/>
+        <p14:creationId xmlns:p14="http://schemas.microsoft.com/office/powerpoint/2010/main" val="1247206294"/>
       </p:ext>
     </p:extLst>
   </p:cSld>
